--- a/src/quartz.pptx
+++ b/src/quartz.pptx
@@ -5,23 +5,26 @@
     <p:sldMasterId id="2147483648" r:id="rId1"/>
   </p:sldMasterIdLst>
   <p:notesMasterIdLst>
-    <p:notesMasterId r:id="rId16"/>
+    <p:notesMasterId r:id="rId19"/>
   </p:notesMasterIdLst>
   <p:sldIdLst>
     <p:sldId id="256" r:id="rId2"/>
-    <p:sldId id="257" r:id="rId3"/>
-    <p:sldId id="258" r:id="rId4"/>
-    <p:sldId id="261" r:id="rId5"/>
-    <p:sldId id="262" r:id="rId6"/>
-    <p:sldId id="271" r:id="rId7"/>
-    <p:sldId id="263" r:id="rId8"/>
-    <p:sldId id="270" r:id="rId9"/>
-    <p:sldId id="264" r:id="rId10"/>
-    <p:sldId id="268" r:id="rId11"/>
-    <p:sldId id="267" r:id="rId12"/>
-    <p:sldId id="269" r:id="rId13"/>
-    <p:sldId id="265" r:id="rId14"/>
-    <p:sldId id="266" r:id="rId15"/>
+    <p:sldId id="272" r:id="rId3"/>
+    <p:sldId id="257" r:id="rId4"/>
+    <p:sldId id="258" r:id="rId5"/>
+    <p:sldId id="261" r:id="rId6"/>
+    <p:sldId id="262" r:id="rId7"/>
+    <p:sldId id="271" r:id="rId8"/>
+    <p:sldId id="263" r:id="rId9"/>
+    <p:sldId id="270" r:id="rId10"/>
+    <p:sldId id="264" r:id="rId11"/>
+    <p:sldId id="268" r:id="rId12"/>
+    <p:sldId id="267" r:id="rId13"/>
+    <p:sldId id="269" r:id="rId14"/>
+    <p:sldId id="273" r:id="rId15"/>
+    <p:sldId id="274" r:id="rId16"/>
+    <p:sldId id="275" r:id="rId17"/>
+    <p:sldId id="266" r:id="rId18"/>
   </p:sldIdLst>
   <p:sldSz cx="12192000" cy="6858000"/>
   <p:notesSz cx="6858000" cy="9144000"/>
@@ -120,6 +123,11 @@
       </a:defRPr>
     </a:lvl9pPr>
   </p:defaultTextStyle>
+  <p:extLst>
+    <p:ext uri="{EFAFB233-063F-42B5-8137-9DF3F51BA10A}">
+      <p15:sldGuideLst xmlns:p15="http://schemas.microsoft.com/office/powerpoint/2012/main"/>
+    </p:ext>
+  </p:extLst>
 </p:presentation>
 </file>
 
@@ -205,7 +213,7 @@
           <a:p>
             <a:fld id="{C6622957-D41C-4D4F-846F-91EFB896E5D2}" type="datetimeFigureOut">
               <a:rPr lang="zh-CN" altLang="en-US" smtClean="0"/>
-              <a:t>2016/1/30</a:t>
+              <a:t>2016/2/17</a:t>
             </a:fld>
             <a:endParaRPr lang="zh-CN" altLang="en-US"/>
           </a:p>
@@ -542,7 +550,7 @@
           <a:p>
             <a:fld id="{72134117-E3A5-4788-95E9-87F3B5B5A229}" type="slidenum">
               <a:rPr lang="zh-CN" altLang="en-US" smtClean="0"/>
-              <a:t>12</a:t>
+              <a:t>13</a:t>
             </a:fld>
             <a:endParaRPr lang="zh-CN" altLang="en-US"/>
           </a:p>
@@ -552,6 +560,270 @@
     <p:extLst>
       <p:ext uri="{BB962C8B-B14F-4D97-AF65-F5344CB8AC3E}">
         <p14:creationId xmlns:p14="http://schemas.microsoft.com/office/powerpoint/2010/main" val="222190775"/>
+      </p:ext>
+    </p:extLst>
+  </p:cSld>
+  <p:clrMapOvr>
+    <a:masterClrMapping/>
+  </p:clrMapOvr>
+</p:notes>
+</file>
+
+<file path=ppt/notesSlides/notesSlide2.xml><?xml version="1.0" encoding="utf-8"?>
+<p:notes xmlns:a="http://schemas.openxmlformats.org/drawingml/2006/main" xmlns:r="http://schemas.openxmlformats.org/officeDocument/2006/relationships" xmlns:p="http://schemas.openxmlformats.org/presentationml/2006/main">
+  <p:cSld>
+    <p:spTree>
+      <p:nvGrpSpPr>
+        <p:cNvPr id="1" name=""/>
+        <p:cNvGrpSpPr/>
+        <p:nvPr/>
+      </p:nvGrpSpPr>
+      <p:grpSpPr>
+        <a:xfrm>
+          <a:off x="0" y="0"/>
+          <a:ext cx="0" cy="0"/>
+          <a:chOff x="0" y="0"/>
+          <a:chExt cx="0" cy="0"/>
+        </a:xfrm>
+      </p:grpSpPr>
+      <p:sp>
+        <p:nvSpPr>
+          <p:cNvPr id="2" name="幻灯片图像占位符 1"/>
+          <p:cNvSpPr>
+            <a:spLocks noGrp="1" noRot="1" noChangeAspect="1"/>
+          </p:cNvSpPr>
+          <p:nvPr>
+            <p:ph type="sldImg"/>
+          </p:nvPr>
+        </p:nvSpPr>
+        <p:spPr/>
+      </p:sp>
+      <p:sp>
+        <p:nvSpPr>
+          <p:cNvPr id="3" name="备注占位符 2"/>
+          <p:cNvSpPr>
+            <a:spLocks noGrp="1"/>
+          </p:cNvSpPr>
+          <p:nvPr>
+            <p:ph type="body" idx="1"/>
+          </p:nvPr>
+        </p:nvSpPr>
+        <p:spPr/>
+        <p:txBody>
+          <a:bodyPr/>
+          <a:lstStyle/>
+          <a:p>
+            <a:r>
+              <a:rPr lang="zh-CN" altLang="en-US" dirty="0" smtClean="0"/>
+              <a:t>测试结果说明</a:t>
+            </a:r>
+            <a:endParaRPr lang="zh-CN" altLang="en-US" dirty="0"/>
+          </a:p>
+        </p:txBody>
+      </p:sp>
+      <p:sp>
+        <p:nvSpPr>
+          <p:cNvPr id="4" name="灯片编号占位符 3"/>
+          <p:cNvSpPr>
+            <a:spLocks noGrp="1"/>
+          </p:cNvSpPr>
+          <p:nvPr>
+            <p:ph type="sldNum" sz="quarter" idx="10"/>
+          </p:nvPr>
+        </p:nvSpPr>
+        <p:spPr/>
+        <p:txBody>
+          <a:bodyPr/>
+          <a:lstStyle/>
+          <a:p>
+            <a:fld id="{72134117-E3A5-4788-95E9-87F3B5B5A229}" type="slidenum">
+              <a:rPr lang="zh-CN" altLang="en-US" smtClean="0"/>
+              <a:t>14</a:t>
+            </a:fld>
+            <a:endParaRPr lang="zh-CN" altLang="en-US"/>
+          </a:p>
+        </p:txBody>
+      </p:sp>
+    </p:spTree>
+    <p:extLst>
+      <p:ext uri="{BB962C8B-B14F-4D97-AF65-F5344CB8AC3E}">
+        <p14:creationId xmlns:p14="http://schemas.microsoft.com/office/powerpoint/2010/main" val="3368239275"/>
+      </p:ext>
+    </p:extLst>
+  </p:cSld>
+  <p:clrMapOvr>
+    <a:masterClrMapping/>
+  </p:clrMapOvr>
+</p:notes>
+</file>
+
+<file path=ppt/notesSlides/notesSlide3.xml><?xml version="1.0" encoding="utf-8"?>
+<p:notes xmlns:a="http://schemas.openxmlformats.org/drawingml/2006/main" xmlns:r="http://schemas.openxmlformats.org/officeDocument/2006/relationships" xmlns:p="http://schemas.openxmlformats.org/presentationml/2006/main">
+  <p:cSld>
+    <p:spTree>
+      <p:nvGrpSpPr>
+        <p:cNvPr id="1" name=""/>
+        <p:cNvGrpSpPr/>
+        <p:nvPr/>
+      </p:nvGrpSpPr>
+      <p:grpSpPr>
+        <a:xfrm>
+          <a:off x="0" y="0"/>
+          <a:ext cx="0" cy="0"/>
+          <a:chOff x="0" y="0"/>
+          <a:chExt cx="0" cy="0"/>
+        </a:xfrm>
+      </p:grpSpPr>
+      <p:sp>
+        <p:nvSpPr>
+          <p:cNvPr id="2" name="幻灯片图像占位符 1"/>
+          <p:cNvSpPr>
+            <a:spLocks noGrp="1" noRot="1" noChangeAspect="1"/>
+          </p:cNvSpPr>
+          <p:nvPr>
+            <p:ph type="sldImg"/>
+          </p:nvPr>
+        </p:nvSpPr>
+        <p:spPr/>
+      </p:sp>
+      <p:sp>
+        <p:nvSpPr>
+          <p:cNvPr id="3" name="备注占位符 2"/>
+          <p:cNvSpPr>
+            <a:spLocks noGrp="1"/>
+          </p:cNvSpPr>
+          <p:nvPr>
+            <p:ph type="body" idx="1"/>
+          </p:nvPr>
+        </p:nvSpPr>
+        <p:spPr/>
+        <p:txBody>
+          <a:bodyPr/>
+          <a:lstStyle/>
+          <a:p>
+            <a:r>
+              <a:rPr lang="zh-CN" altLang="en-US" dirty="0" smtClean="0"/>
+              <a:t>测试结果说明</a:t>
+            </a:r>
+            <a:endParaRPr lang="zh-CN" altLang="en-US" dirty="0"/>
+          </a:p>
+        </p:txBody>
+      </p:sp>
+      <p:sp>
+        <p:nvSpPr>
+          <p:cNvPr id="4" name="灯片编号占位符 3"/>
+          <p:cNvSpPr>
+            <a:spLocks noGrp="1"/>
+          </p:cNvSpPr>
+          <p:nvPr>
+            <p:ph type="sldNum" sz="quarter" idx="10"/>
+          </p:nvPr>
+        </p:nvSpPr>
+        <p:spPr/>
+        <p:txBody>
+          <a:bodyPr/>
+          <a:lstStyle/>
+          <a:p>
+            <a:fld id="{72134117-E3A5-4788-95E9-87F3B5B5A229}" type="slidenum">
+              <a:rPr lang="zh-CN" altLang="en-US" smtClean="0"/>
+              <a:t>15</a:t>
+            </a:fld>
+            <a:endParaRPr lang="zh-CN" altLang="en-US"/>
+          </a:p>
+        </p:txBody>
+      </p:sp>
+    </p:spTree>
+    <p:extLst>
+      <p:ext uri="{BB962C8B-B14F-4D97-AF65-F5344CB8AC3E}">
+        <p14:creationId xmlns:p14="http://schemas.microsoft.com/office/powerpoint/2010/main" val="3754444836"/>
+      </p:ext>
+    </p:extLst>
+  </p:cSld>
+  <p:clrMapOvr>
+    <a:masterClrMapping/>
+  </p:clrMapOvr>
+</p:notes>
+</file>
+
+<file path=ppt/notesSlides/notesSlide4.xml><?xml version="1.0" encoding="utf-8"?>
+<p:notes xmlns:a="http://schemas.openxmlformats.org/drawingml/2006/main" xmlns:r="http://schemas.openxmlformats.org/officeDocument/2006/relationships" xmlns:p="http://schemas.openxmlformats.org/presentationml/2006/main">
+  <p:cSld>
+    <p:spTree>
+      <p:nvGrpSpPr>
+        <p:cNvPr id="1" name=""/>
+        <p:cNvGrpSpPr/>
+        <p:nvPr/>
+      </p:nvGrpSpPr>
+      <p:grpSpPr>
+        <a:xfrm>
+          <a:off x="0" y="0"/>
+          <a:ext cx="0" cy="0"/>
+          <a:chOff x="0" y="0"/>
+          <a:chExt cx="0" cy="0"/>
+        </a:xfrm>
+      </p:grpSpPr>
+      <p:sp>
+        <p:nvSpPr>
+          <p:cNvPr id="2" name="幻灯片图像占位符 1"/>
+          <p:cNvSpPr>
+            <a:spLocks noGrp="1" noRot="1" noChangeAspect="1"/>
+          </p:cNvSpPr>
+          <p:nvPr>
+            <p:ph type="sldImg"/>
+          </p:nvPr>
+        </p:nvSpPr>
+        <p:spPr/>
+      </p:sp>
+      <p:sp>
+        <p:nvSpPr>
+          <p:cNvPr id="3" name="备注占位符 2"/>
+          <p:cNvSpPr>
+            <a:spLocks noGrp="1"/>
+          </p:cNvSpPr>
+          <p:nvPr>
+            <p:ph type="body" idx="1"/>
+          </p:nvPr>
+        </p:nvSpPr>
+        <p:spPr/>
+        <p:txBody>
+          <a:bodyPr/>
+          <a:lstStyle/>
+          <a:p>
+            <a:r>
+              <a:rPr lang="zh-CN" altLang="en-US" dirty="0" smtClean="0"/>
+              <a:t>测试结果说明</a:t>
+            </a:r>
+            <a:endParaRPr lang="zh-CN" altLang="en-US" dirty="0"/>
+          </a:p>
+        </p:txBody>
+      </p:sp>
+      <p:sp>
+        <p:nvSpPr>
+          <p:cNvPr id="4" name="灯片编号占位符 3"/>
+          <p:cNvSpPr>
+            <a:spLocks noGrp="1"/>
+          </p:cNvSpPr>
+          <p:nvPr>
+            <p:ph type="sldNum" sz="quarter" idx="10"/>
+          </p:nvPr>
+        </p:nvSpPr>
+        <p:spPr/>
+        <p:txBody>
+          <a:bodyPr/>
+          <a:lstStyle/>
+          <a:p>
+            <a:fld id="{72134117-E3A5-4788-95E9-87F3B5B5A229}" type="slidenum">
+              <a:rPr lang="zh-CN" altLang="en-US" smtClean="0"/>
+              <a:t>16</a:t>
+            </a:fld>
+            <a:endParaRPr lang="zh-CN" altLang="en-US"/>
+          </a:p>
+        </p:txBody>
+      </p:sp>
+    </p:spTree>
+    <p:extLst>
+      <p:ext uri="{BB962C8B-B14F-4D97-AF65-F5344CB8AC3E}">
+        <p14:creationId xmlns:p14="http://schemas.microsoft.com/office/powerpoint/2010/main" val="3833720466"/>
       </p:ext>
     </p:extLst>
   </p:cSld>
@@ -692,7 +964,7 @@
           <a:p>
             <a:fld id="{76DC33AF-5FF9-4418-8A99-05DAF6542FA2}" type="datetimeFigureOut">
               <a:rPr lang="zh-CN" altLang="en-US" smtClean="0"/>
-              <a:t>2016/1/30</a:t>
+              <a:t>2016/2/17</a:t>
             </a:fld>
             <a:endParaRPr lang="zh-CN" altLang="en-US"/>
           </a:p>
@@ -862,7 +1134,7 @@
           <a:p>
             <a:fld id="{76DC33AF-5FF9-4418-8A99-05DAF6542FA2}" type="datetimeFigureOut">
               <a:rPr lang="zh-CN" altLang="en-US" smtClean="0"/>
-              <a:t>2016/1/30</a:t>
+              <a:t>2016/2/17</a:t>
             </a:fld>
             <a:endParaRPr lang="zh-CN" altLang="en-US"/>
           </a:p>
@@ -1042,7 +1314,7 @@
           <a:p>
             <a:fld id="{76DC33AF-5FF9-4418-8A99-05DAF6542FA2}" type="datetimeFigureOut">
               <a:rPr lang="zh-CN" altLang="en-US" smtClean="0"/>
-              <a:t>2016/1/30</a:t>
+              <a:t>2016/2/17</a:t>
             </a:fld>
             <a:endParaRPr lang="zh-CN" altLang="en-US"/>
           </a:p>
@@ -1212,7 +1484,7 @@
           <a:p>
             <a:fld id="{76DC33AF-5FF9-4418-8A99-05DAF6542FA2}" type="datetimeFigureOut">
               <a:rPr lang="zh-CN" altLang="en-US" smtClean="0"/>
-              <a:t>2016/1/30</a:t>
+              <a:t>2016/2/17</a:t>
             </a:fld>
             <a:endParaRPr lang="zh-CN" altLang="en-US"/>
           </a:p>
@@ -1458,7 +1730,7 @@
           <a:p>
             <a:fld id="{76DC33AF-5FF9-4418-8A99-05DAF6542FA2}" type="datetimeFigureOut">
               <a:rPr lang="zh-CN" altLang="en-US" smtClean="0"/>
-              <a:t>2016/1/30</a:t>
+              <a:t>2016/2/17</a:t>
             </a:fld>
             <a:endParaRPr lang="zh-CN" altLang="en-US"/>
           </a:p>
@@ -1690,7 +1962,7 @@
           <a:p>
             <a:fld id="{76DC33AF-5FF9-4418-8A99-05DAF6542FA2}" type="datetimeFigureOut">
               <a:rPr lang="zh-CN" altLang="en-US" smtClean="0"/>
-              <a:t>2016/1/30</a:t>
+              <a:t>2016/2/17</a:t>
             </a:fld>
             <a:endParaRPr lang="zh-CN" altLang="en-US"/>
           </a:p>
@@ -2057,7 +2329,7 @@
           <a:p>
             <a:fld id="{76DC33AF-5FF9-4418-8A99-05DAF6542FA2}" type="datetimeFigureOut">
               <a:rPr lang="zh-CN" altLang="en-US" smtClean="0"/>
-              <a:t>2016/1/30</a:t>
+              <a:t>2016/2/17</a:t>
             </a:fld>
             <a:endParaRPr lang="zh-CN" altLang="en-US"/>
           </a:p>
@@ -2175,7 +2447,7 @@
           <a:p>
             <a:fld id="{76DC33AF-5FF9-4418-8A99-05DAF6542FA2}" type="datetimeFigureOut">
               <a:rPr lang="zh-CN" altLang="en-US" smtClean="0"/>
-              <a:t>2016/1/30</a:t>
+              <a:t>2016/2/17</a:t>
             </a:fld>
             <a:endParaRPr lang="zh-CN" altLang="en-US"/>
           </a:p>
@@ -2270,7 +2542,7 @@
           <a:p>
             <a:fld id="{76DC33AF-5FF9-4418-8A99-05DAF6542FA2}" type="datetimeFigureOut">
               <a:rPr lang="zh-CN" altLang="en-US" smtClean="0"/>
-              <a:t>2016/1/30</a:t>
+              <a:t>2016/2/17</a:t>
             </a:fld>
             <a:endParaRPr lang="zh-CN" altLang="en-US"/>
           </a:p>
@@ -2547,7 +2819,7 @@
           <a:p>
             <a:fld id="{76DC33AF-5FF9-4418-8A99-05DAF6542FA2}" type="datetimeFigureOut">
               <a:rPr lang="zh-CN" altLang="en-US" smtClean="0"/>
-              <a:t>2016/1/30</a:t>
+              <a:t>2016/2/17</a:t>
             </a:fld>
             <a:endParaRPr lang="zh-CN" altLang="en-US"/>
           </a:p>
@@ -2800,7 +3072,7 @@
           <a:p>
             <a:fld id="{76DC33AF-5FF9-4418-8A99-05DAF6542FA2}" type="datetimeFigureOut">
               <a:rPr lang="zh-CN" altLang="en-US" smtClean="0"/>
-              <a:t>2016/1/30</a:t>
+              <a:t>2016/2/17</a:t>
             </a:fld>
             <a:endParaRPr lang="zh-CN" altLang="en-US"/>
           </a:p>
@@ -3013,7 +3285,7 @@
           <a:p>
             <a:fld id="{76DC33AF-5FF9-4418-8A99-05DAF6542FA2}" type="datetimeFigureOut">
               <a:rPr lang="zh-CN" altLang="en-US" smtClean="0"/>
-              <a:t>2016/1/30</a:t>
+              <a:t>2016/2/17</a:t>
             </a:fld>
             <a:endParaRPr lang="zh-CN" altLang="en-US"/>
           </a:p>
@@ -3629,7 +3901,7 @@
         <p:spPr>
           <a:xfrm>
             <a:off x="678850" y="637611"/>
-            <a:ext cx="2439066" cy="646331"/>
+            <a:ext cx="2808782" cy="646331"/>
           </a:xfrm>
           <a:prstGeom prst="rect">
             <a:avLst/>
@@ -3648,7 +3920,7 @@
                 </a:solidFill>
                 <a:latin typeface="+mj-lt"/>
               </a:rPr>
-              <a:t>Cron Trigger</a:t>
+              <a:t>Simple Trigger</a:t>
             </a:r>
             <a:endParaRPr lang="zh-CN" altLang="en-US" sz="3600" dirty="0">
               <a:solidFill>
@@ -3659,107 +3931,10 @@
           </a:p>
         </p:txBody>
       </p:sp>
-      <p:sp>
-        <p:nvSpPr>
-          <p:cNvPr id="3" name="矩形 2"/>
-          <p:cNvSpPr/>
-          <p:nvPr/>
-        </p:nvSpPr>
-        <p:spPr>
-          <a:xfrm>
-            <a:off x="1390877" y="2999611"/>
-            <a:ext cx="7548406" cy="3108543"/>
-          </a:xfrm>
-          <a:prstGeom prst="rect">
-            <a:avLst/>
-          </a:prstGeom>
-        </p:spPr>
-        <p:txBody>
-          <a:bodyPr wrap="square">
-            <a:spAutoFit/>
-          </a:bodyPr>
-          <a:lstStyle/>
-          <a:p>
-            <a:r>
-              <a:rPr lang="en-US" altLang="zh-CN" sz="2800" dirty="0" smtClean="0">
-                <a:solidFill>
-                  <a:srgbClr val="FFC000"/>
-                </a:solidFill>
-              </a:rPr>
-              <a:t>1-Seconds</a:t>
-            </a:r>
-          </a:p>
-          <a:p>
-            <a:r>
-              <a:rPr lang="en-US" altLang="zh-CN" sz="2800" dirty="0" smtClean="0">
-                <a:solidFill>
-                  <a:srgbClr val="FFC000"/>
-                </a:solidFill>
-              </a:rPr>
-              <a:t>2-Minutes</a:t>
-            </a:r>
-          </a:p>
-          <a:p>
-            <a:r>
-              <a:rPr lang="en-US" altLang="zh-CN" sz="2800" dirty="0" smtClean="0">
-                <a:solidFill>
-                  <a:srgbClr val="FFC000"/>
-                </a:solidFill>
-              </a:rPr>
-              <a:t>3-Hours</a:t>
-            </a:r>
-          </a:p>
-          <a:p>
-            <a:r>
-              <a:rPr lang="en-US" altLang="zh-CN" sz="2800" dirty="0" smtClean="0">
-                <a:solidFill>
-                  <a:srgbClr val="FFC000"/>
-                </a:solidFill>
-              </a:rPr>
-              <a:t>4-Day-of-Month</a:t>
-            </a:r>
-          </a:p>
-          <a:p>
-            <a:r>
-              <a:rPr lang="en-US" altLang="zh-CN" sz="2800" dirty="0" smtClean="0">
-                <a:solidFill>
-                  <a:srgbClr val="FFC000"/>
-                </a:solidFill>
-              </a:rPr>
-              <a:t>5-Month</a:t>
-            </a:r>
-          </a:p>
-          <a:p>
-            <a:r>
-              <a:rPr lang="en-US" altLang="zh-CN" sz="2800" dirty="0" smtClean="0">
-                <a:solidFill>
-                  <a:srgbClr val="FFC000"/>
-                </a:solidFill>
-              </a:rPr>
-              <a:t>6-Day-of-Week</a:t>
-            </a:r>
-          </a:p>
-          <a:p>
-            <a:r>
-              <a:rPr lang="en-US" altLang="zh-CN" sz="2800" dirty="0" smtClean="0">
-                <a:solidFill>
-                  <a:srgbClr val="FFC000"/>
-                </a:solidFill>
-              </a:rPr>
-              <a:t>7-Year (optional field)</a:t>
-            </a:r>
-            <a:endParaRPr lang="zh-CN" altLang="en-US" sz="2800" dirty="0">
-              <a:solidFill>
-                <a:srgbClr val="FFC000"/>
-              </a:solidFill>
-            </a:endParaRPr>
-          </a:p>
-        </p:txBody>
-      </p:sp>
     </p:spTree>
     <p:extLst>
       <p:ext uri="{BB962C8B-B14F-4D97-AF65-F5344CB8AC3E}">
-        <p14:creationId xmlns:p14="http://schemas.microsoft.com/office/powerpoint/2010/main" val="3842685931"/>
+        <p14:creationId xmlns:p14="http://schemas.microsoft.com/office/powerpoint/2010/main" val="2364750249"/>
       </p:ext>
     </p:extLst>
   </p:cSld>
@@ -3832,7 +4007,7 @@
         <p:spPr>
           <a:xfrm>
             <a:off x="678850" y="637611"/>
-            <a:ext cx="4992905" cy="646331"/>
+            <a:ext cx="2439066" cy="646331"/>
           </a:xfrm>
           <a:prstGeom prst="rect">
             <a:avLst/>
@@ -3851,7 +4026,7 @@
                 </a:solidFill>
                 <a:latin typeface="+mj-lt"/>
               </a:rPr>
-              <a:t>Example Cron Expressions</a:t>
+              <a:t>Cron Trigger</a:t>
             </a:r>
             <a:endParaRPr lang="zh-CN" altLang="en-US" sz="3600" dirty="0">
               <a:solidFill>
@@ -3870,8 +4045,8 @@
         </p:nvSpPr>
         <p:spPr>
           <a:xfrm>
-            <a:off x="2001153" y="2056979"/>
-            <a:ext cx="2966632" cy="523220"/>
+            <a:off x="1390877" y="2999611"/>
+            <a:ext cx="7548406" cy="3108543"/>
           </a:xfrm>
           <a:prstGeom prst="rect">
             <a:avLst/>
@@ -3886,125 +4061,74 @@
             <a:r>
               <a:rPr lang="en-US" altLang="zh-CN" sz="2800" dirty="0" smtClean="0">
                 <a:solidFill>
-                  <a:srgbClr val="002060"/>
-                </a:solidFill>
-              </a:rPr>
-              <a:t>0 0/5 * * * ?</a:t>
+                  <a:srgbClr val="FFC000"/>
+                </a:solidFill>
+              </a:rPr>
+              <a:t>1-Seconds</a:t>
+            </a:r>
+          </a:p>
+          <a:p>
+            <a:r>
+              <a:rPr lang="en-US" altLang="zh-CN" sz="2800" dirty="0" smtClean="0">
+                <a:solidFill>
+                  <a:srgbClr val="FFC000"/>
+                </a:solidFill>
+              </a:rPr>
+              <a:t>2-Minutes</a:t>
+            </a:r>
+          </a:p>
+          <a:p>
+            <a:r>
+              <a:rPr lang="en-US" altLang="zh-CN" sz="2800" dirty="0" smtClean="0">
+                <a:solidFill>
+                  <a:srgbClr val="FFC000"/>
+                </a:solidFill>
+              </a:rPr>
+              <a:t>3-Hours</a:t>
+            </a:r>
+          </a:p>
+          <a:p>
+            <a:r>
+              <a:rPr lang="en-US" altLang="zh-CN" sz="2800" dirty="0" smtClean="0">
+                <a:solidFill>
+                  <a:srgbClr val="FFC000"/>
+                </a:solidFill>
+              </a:rPr>
+              <a:t>4-Day-of-Month</a:t>
+            </a:r>
+          </a:p>
+          <a:p>
+            <a:r>
+              <a:rPr lang="en-US" altLang="zh-CN" sz="2800" dirty="0" smtClean="0">
+                <a:solidFill>
+                  <a:srgbClr val="FFC000"/>
+                </a:solidFill>
+              </a:rPr>
+              <a:t>5-Month</a:t>
+            </a:r>
+          </a:p>
+          <a:p>
+            <a:r>
+              <a:rPr lang="en-US" altLang="zh-CN" sz="2800" dirty="0" smtClean="0">
+                <a:solidFill>
+                  <a:srgbClr val="FFC000"/>
+                </a:solidFill>
+              </a:rPr>
+              <a:t>6-Day-of-Week</a:t>
+            </a:r>
+          </a:p>
+          <a:p>
+            <a:r>
+              <a:rPr lang="en-US" altLang="zh-CN" sz="2800" dirty="0" smtClean="0">
+                <a:solidFill>
+                  <a:srgbClr val="FFC000"/>
+                </a:solidFill>
+              </a:rPr>
+              <a:t>7-Year (optional field)</a:t>
             </a:r>
             <a:endParaRPr lang="zh-CN" altLang="en-US" sz="2800" dirty="0">
               <a:solidFill>
-                <a:srgbClr val="002060"/>
-              </a:solidFill>
-            </a:endParaRPr>
-          </a:p>
-        </p:txBody>
-      </p:sp>
-      <p:sp>
-        <p:nvSpPr>
-          <p:cNvPr id="4" name="矩形 3"/>
-          <p:cNvSpPr/>
-          <p:nvPr/>
-        </p:nvSpPr>
-        <p:spPr>
-          <a:xfrm>
-            <a:off x="2001153" y="2830016"/>
-            <a:ext cx="2169184" cy="523220"/>
-          </a:xfrm>
-          <a:prstGeom prst="rect">
-            <a:avLst/>
-          </a:prstGeom>
-        </p:spPr>
-        <p:txBody>
-          <a:bodyPr wrap="none">
-            <a:spAutoFit/>
-          </a:bodyPr>
-          <a:lstStyle/>
-          <a:p>
-            <a:r>
-              <a:rPr lang="en-US" altLang="zh-CN" sz="2800" dirty="0" smtClean="0">
-                <a:solidFill>
-                  <a:srgbClr val="002060"/>
-                </a:solidFill>
-              </a:rPr>
-              <a:t>10 0/5 * * * ?</a:t>
-            </a:r>
-            <a:endParaRPr lang="zh-CN" altLang="en-US" sz="2800" dirty="0">
-              <a:solidFill>
-                <a:srgbClr val="002060"/>
-              </a:solidFill>
-            </a:endParaRPr>
-          </a:p>
-        </p:txBody>
-      </p:sp>
-      <p:sp>
-        <p:nvSpPr>
-          <p:cNvPr id="6" name="矩形 5"/>
-          <p:cNvSpPr/>
-          <p:nvPr/>
-        </p:nvSpPr>
-        <p:spPr>
-          <a:xfrm>
-            <a:off x="2001153" y="3603053"/>
-            <a:ext cx="3575018" cy="523220"/>
-          </a:xfrm>
-          <a:prstGeom prst="rect">
-            <a:avLst/>
-          </a:prstGeom>
-        </p:spPr>
-        <p:txBody>
-          <a:bodyPr wrap="none">
-            <a:spAutoFit/>
-          </a:bodyPr>
-          <a:lstStyle/>
-          <a:p>
-            <a:r>
-              <a:rPr lang="en-US" altLang="zh-CN" sz="2800" dirty="0" smtClean="0">
-                <a:solidFill>
-                  <a:srgbClr val="002060"/>
-                </a:solidFill>
-              </a:rPr>
-              <a:t>0 30 10-13 ? * WED,FRI</a:t>
-            </a:r>
-            <a:endParaRPr lang="zh-CN" altLang="en-US" sz="2800" dirty="0">
-              <a:solidFill>
-                <a:srgbClr val="002060"/>
-              </a:solidFill>
-            </a:endParaRPr>
-          </a:p>
-        </p:txBody>
-      </p:sp>
-      <p:sp>
-        <p:nvSpPr>
-          <p:cNvPr id="7" name="矩形 6"/>
-          <p:cNvSpPr/>
-          <p:nvPr/>
-        </p:nvSpPr>
-        <p:spPr>
-          <a:xfrm>
-            <a:off x="2001153" y="4376090"/>
-            <a:ext cx="2924198" cy="523220"/>
-          </a:xfrm>
-          <a:prstGeom prst="rect">
-            <a:avLst/>
-          </a:prstGeom>
-        </p:spPr>
-        <p:txBody>
-          <a:bodyPr wrap="none">
-            <a:spAutoFit/>
-          </a:bodyPr>
-          <a:lstStyle/>
-          <a:p>
-            <a:r>
-              <a:rPr lang="en-US" altLang="zh-CN" sz="2800" dirty="0" smtClean="0">
-                <a:solidFill>
-                  <a:srgbClr val="002060"/>
-                </a:solidFill>
-              </a:rPr>
-              <a:t>0 0/30 8-9 5,20 * ?</a:t>
-            </a:r>
-            <a:endParaRPr lang="zh-CN" altLang="en-US" sz="2800" dirty="0">
-              <a:solidFill>
-                <a:srgbClr val="002060"/>
+                <a:srgbClr val="FFC000"/>
               </a:solidFill>
             </a:endParaRPr>
           </a:p>
@@ -4013,7 +4137,7 @@
     </p:spTree>
     <p:extLst>
       <p:ext uri="{BB962C8B-B14F-4D97-AF65-F5344CB8AC3E}">
-        <p14:creationId xmlns:p14="http://schemas.microsoft.com/office/powerpoint/2010/main" val="4239136447"/>
+        <p14:creationId xmlns:p14="http://schemas.microsoft.com/office/powerpoint/2010/main" val="3842685931"/>
       </p:ext>
     </p:extLst>
   </p:cSld>
@@ -4056,7 +4180,7 @@
           <p:nvPr/>
         </p:nvPicPr>
         <p:blipFill>
-          <a:blip r:embed="rId3">
+          <a:blip r:embed="rId2">
             <a:extLst>
               <a:ext uri="{28A0092B-C50C-407E-A947-70E740481C1C}">
                 <a14:useLocalDpi xmlns:a14="http://schemas.microsoft.com/office/drawing/2010/main" val="0"/>
@@ -4086,7 +4210,7 @@
         <p:spPr>
           <a:xfrm>
             <a:off x="678850" y="637611"/>
-            <a:ext cx="3760132" cy="646331"/>
+            <a:ext cx="4992905" cy="646331"/>
           </a:xfrm>
           <a:prstGeom prst="rect">
             <a:avLst/>
@@ -4105,7 +4229,7 @@
                 </a:solidFill>
                 <a:latin typeface="+mj-lt"/>
               </a:rPr>
-              <a:t>Misfire Instructions</a:t>
+              <a:t>Example Cron Expressions</a:t>
             </a:r>
             <a:endParaRPr lang="zh-CN" altLang="en-US" sz="3600" dirty="0">
               <a:solidFill>
@@ -4116,10 +4240,158 @@
           </a:p>
         </p:txBody>
       </p:sp>
+      <p:sp>
+        <p:nvSpPr>
+          <p:cNvPr id="3" name="矩形 2"/>
+          <p:cNvSpPr/>
+          <p:nvPr/>
+        </p:nvSpPr>
+        <p:spPr>
+          <a:xfrm>
+            <a:off x="2001153" y="2056979"/>
+            <a:ext cx="2966632" cy="523220"/>
+          </a:xfrm>
+          <a:prstGeom prst="rect">
+            <a:avLst/>
+          </a:prstGeom>
+        </p:spPr>
+        <p:txBody>
+          <a:bodyPr wrap="square">
+            <a:spAutoFit/>
+          </a:bodyPr>
+          <a:lstStyle/>
+          <a:p>
+            <a:r>
+              <a:rPr lang="en-US" altLang="zh-CN" sz="2800" dirty="0" smtClean="0">
+                <a:solidFill>
+                  <a:srgbClr val="002060"/>
+                </a:solidFill>
+              </a:rPr>
+              <a:t>0 0/5 * * * ?</a:t>
+            </a:r>
+            <a:endParaRPr lang="zh-CN" altLang="en-US" sz="2800" dirty="0">
+              <a:solidFill>
+                <a:srgbClr val="002060"/>
+              </a:solidFill>
+            </a:endParaRPr>
+          </a:p>
+        </p:txBody>
+      </p:sp>
+      <p:sp>
+        <p:nvSpPr>
+          <p:cNvPr id="4" name="矩形 3"/>
+          <p:cNvSpPr/>
+          <p:nvPr/>
+        </p:nvSpPr>
+        <p:spPr>
+          <a:xfrm>
+            <a:off x="2001153" y="2830016"/>
+            <a:ext cx="2169184" cy="523220"/>
+          </a:xfrm>
+          <a:prstGeom prst="rect">
+            <a:avLst/>
+          </a:prstGeom>
+        </p:spPr>
+        <p:txBody>
+          <a:bodyPr wrap="none">
+            <a:spAutoFit/>
+          </a:bodyPr>
+          <a:lstStyle/>
+          <a:p>
+            <a:r>
+              <a:rPr lang="en-US" altLang="zh-CN" sz="2800" dirty="0" smtClean="0">
+                <a:solidFill>
+                  <a:srgbClr val="002060"/>
+                </a:solidFill>
+              </a:rPr>
+              <a:t>10 0/5 * * * ?</a:t>
+            </a:r>
+            <a:endParaRPr lang="zh-CN" altLang="en-US" sz="2800" dirty="0">
+              <a:solidFill>
+                <a:srgbClr val="002060"/>
+              </a:solidFill>
+            </a:endParaRPr>
+          </a:p>
+        </p:txBody>
+      </p:sp>
+      <p:sp>
+        <p:nvSpPr>
+          <p:cNvPr id="6" name="矩形 5"/>
+          <p:cNvSpPr/>
+          <p:nvPr/>
+        </p:nvSpPr>
+        <p:spPr>
+          <a:xfrm>
+            <a:off x="2001153" y="3603053"/>
+            <a:ext cx="3575018" cy="523220"/>
+          </a:xfrm>
+          <a:prstGeom prst="rect">
+            <a:avLst/>
+          </a:prstGeom>
+        </p:spPr>
+        <p:txBody>
+          <a:bodyPr wrap="none">
+            <a:spAutoFit/>
+          </a:bodyPr>
+          <a:lstStyle/>
+          <a:p>
+            <a:r>
+              <a:rPr lang="en-US" altLang="zh-CN" sz="2800" dirty="0" smtClean="0">
+                <a:solidFill>
+                  <a:srgbClr val="002060"/>
+                </a:solidFill>
+              </a:rPr>
+              <a:t>0 30 10-13 ? * WED,FRI</a:t>
+            </a:r>
+            <a:endParaRPr lang="zh-CN" altLang="en-US" sz="2800" dirty="0">
+              <a:solidFill>
+                <a:srgbClr val="002060"/>
+              </a:solidFill>
+            </a:endParaRPr>
+          </a:p>
+        </p:txBody>
+      </p:sp>
+      <p:sp>
+        <p:nvSpPr>
+          <p:cNvPr id="7" name="矩形 6"/>
+          <p:cNvSpPr/>
+          <p:nvPr/>
+        </p:nvSpPr>
+        <p:spPr>
+          <a:xfrm>
+            <a:off x="2001153" y="4376090"/>
+            <a:ext cx="2924198" cy="523220"/>
+          </a:xfrm>
+          <a:prstGeom prst="rect">
+            <a:avLst/>
+          </a:prstGeom>
+        </p:spPr>
+        <p:txBody>
+          <a:bodyPr wrap="none">
+            <a:spAutoFit/>
+          </a:bodyPr>
+          <a:lstStyle/>
+          <a:p>
+            <a:r>
+              <a:rPr lang="en-US" altLang="zh-CN" sz="2800" dirty="0" smtClean="0">
+                <a:solidFill>
+                  <a:srgbClr val="002060"/>
+                </a:solidFill>
+              </a:rPr>
+              <a:t>0 0/30 8-9 5,20 * ?</a:t>
+            </a:r>
+            <a:endParaRPr lang="zh-CN" altLang="en-US" sz="2800" dirty="0">
+              <a:solidFill>
+                <a:srgbClr val="002060"/>
+              </a:solidFill>
+            </a:endParaRPr>
+          </a:p>
+        </p:txBody>
+      </p:sp>
     </p:spTree>
     <p:extLst>
       <p:ext uri="{BB962C8B-B14F-4D97-AF65-F5344CB8AC3E}">
-        <p14:creationId xmlns:p14="http://schemas.microsoft.com/office/powerpoint/2010/main" val="4040263045"/>
+        <p14:creationId xmlns:p14="http://schemas.microsoft.com/office/powerpoint/2010/main" val="4239136447"/>
       </p:ext>
     </p:extLst>
   </p:cSld>
@@ -4162,7 +4434,7 @@
           <p:nvPr/>
         </p:nvPicPr>
         <p:blipFill>
-          <a:blip r:embed="rId2">
+          <a:blip r:embed="rId3">
             <a:extLst>
               <a:ext uri="{28A0092B-C50C-407E-A947-70E740481C1C}">
                 <a14:useLocalDpi xmlns:a14="http://schemas.microsoft.com/office/drawing/2010/main" val="0"/>
@@ -4183,10 +4455,49 @@
           </a:prstGeom>
         </p:spPr>
       </p:pic>
+      <p:sp>
+        <p:nvSpPr>
+          <p:cNvPr id="2" name="矩形 1"/>
+          <p:cNvSpPr/>
+          <p:nvPr/>
+        </p:nvSpPr>
+        <p:spPr>
+          <a:xfrm>
+            <a:off x="678850" y="637611"/>
+            <a:ext cx="3760132" cy="646331"/>
+          </a:xfrm>
+          <a:prstGeom prst="rect">
+            <a:avLst/>
+          </a:prstGeom>
+        </p:spPr>
+        <p:txBody>
+          <a:bodyPr wrap="none">
+            <a:spAutoFit/>
+          </a:bodyPr>
+          <a:lstStyle/>
+          <a:p>
+            <a:r>
+              <a:rPr lang="en-US" altLang="zh-CN" sz="3600" dirty="0" smtClean="0">
+                <a:solidFill>
+                  <a:srgbClr val="FFC000"/>
+                </a:solidFill>
+                <a:latin typeface="+mj-lt"/>
+              </a:rPr>
+              <a:t>Misfire Instructions</a:t>
+            </a:r>
+            <a:endParaRPr lang="zh-CN" altLang="en-US" sz="3600" dirty="0">
+              <a:solidFill>
+                <a:srgbClr val="FFC000"/>
+              </a:solidFill>
+              <a:latin typeface="+mj-lt"/>
+            </a:endParaRPr>
+          </a:p>
+        </p:txBody>
+      </p:sp>
     </p:spTree>
     <p:extLst>
       <p:ext uri="{BB962C8B-B14F-4D97-AF65-F5344CB8AC3E}">
-        <p14:creationId xmlns:p14="http://schemas.microsoft.com/office/powerpoint/2010/main" val="3612356329"/>
+        <p14:creationId xmlns:p14="http://schemas.microsoft.com/office/powerpoint/2010/main" val="4040263045"/>
       </p:ext>
     </p:extLst>
   </p:cSld>
@@ -4229,6 +4540,348 @@
           <p:nvPr/>
         </p:nvPicPr>
         <p:blipFill>
+          <a:blip r:embed="rId3">
+            <a:extLst>
+              <a:ext uri="{28A0092B-C50C-407E-A947-70E740481C1C}">
+                <a14:useLocalDpi xmlns:a14="http://schemas.microsoft.com/office/drawing/2010/main" val="0"/>
+              </a:ext>
+            </a:extLst>
+          </a:blip>
+          <a:stretch>
+            <a:fillRect/>
+          </a:stretch>
+        </p:blipFill>
+        <p:spPr>
+          <a:xfrm>
+            <a:off x="9462448" y="6108154"/>
+            <a:ext cx="2445652" cy="559006"/>
+          </a:xfrm>
+          <a:prstGeom prst="rect">
+            <a:avLst/>
+          </a:prstGeom>
+        </p:spPr>
+      </p:pic>
+      <p:sp>
+        <p:nvSpPr>
+          <p:cNvPr id="2" name="矩形 1"/>
+          <p:cNvSpPr/>
+          <p:nvPr/>
+        </p:nvSpPr>
+        <p:spPr>
+          <a:xfrm>
+            <a:off x="678850" y="637611"/>
+            <a:ext cx="2385077" cy="646331"/>
+          </a:xfrm>
+          <a:prstGeom prst="rect">
+            <a:avLst/>
+          </a:prstGeom>
+        </p:spPr>
+        <p:txBody>
+          <a:bodyPr wrap="none">
+            <a:spAutoFit/>
+          </a:bodyPr>
+          <a:lstStyle/>
+          <a:p>
+            <a:r>
+              <a:rPr lang="en-US" altLang="zh-CN" sz="3600" dirty="0" smtClean="0">
+                <a:solidFill>
+                  <a:srgbClr val="FFC000"/>
+                </a:solidFill>
+                <a:latin typeface="+mj-lt"/>
+              </a:rPr>
+              <a:t>Job Listener</a:t>
+            </a:r>
+            <a:endParaRPr lang="zh-CN" altLang="en-US" sz="3600" dirty="0">
+              <a:solidFill>
+                <a:srgbClr val="FFC000"/>
+              </a:solidFill>
+              <a:latin typeface="+mj-lt"/>
+            </a:endParaRPr>
+          </a:p>
+        </p:txBody>
+      </p:sp>
+      <p:pic>
+        <p:nvPicPr>
+          <p:cNvPr id="3" name="图片 2"/>
+          <p:cNvPicPr>
+            <a:picLocks noChangeAspect="1"/>
+          </p:cNvPicPr>
+          <p:nvPr/>
+        </p:nvPicPr>
+        <p:blipFill>
+          <a:blip r:embed="rId4"/>
+          <a:stretch>
+            <a:fillRect/>
+          </a:stretch>
+        </p:blipFill>
+        <p:spPr>
+          <a:xfrm>
+            <a:off x="2480355" y="1167957"/>
+            <a:ext cx="6200775" cy="5219700"/>
+          </a:xfrm>
+          <a:prstGeom prst="rect">
+            <a:avLst/>
+          </a:prstGeom>
+        </p:spPr>
+      </p:pic>
+    </p:spTree>
+    <p:extLst>
+      <p:ext uri="{BB962C8B-B14F-4D97-AF65-F5344CB8AC3E}">
+        <p14:creationId xmlns:p14="http://schemas.microsoft.com/office/powerpoint/2010/main" val="113179544"/>
+      </p:ext>
+    </p:extLst>
+  </p:cSld>
+  <p:clrMapOvr>
+    <a:masterClrMapping/>
+  </p:clrMapOvr>
+  <p:timing>
+    <p:tnLst>
+      <p:par>
+        <p:cTn id="1" dur="indefinite" restart="never" nodeType="tmRoot"/>
+      </p:par>
+    </p:tnLst>
+  </p:timing>
+</p:sld>
+</file>
+
+<file path=ppt/slides/slide15.xml><?xml version="1.0" encoding="utf-8"?>
+<p:sld xmlns:a="http://schemas.openxmlformats.org/drawingml/2006/main" xmlns:r="http://schemas.openxmlformats.org/officeDocument/2006/relationships" xmlns:p="http://schemas.openxmlformats.org/presentationml/2006/main">
+  <p:cSld>
+    <p:spTree>
+      <p:nvGrpSpPr>
+        <p:cNvPr id="1" name=""/>
+        <p:cNvGrpSpPr/>
+        <p:nvPr/>
+      </p:nvGrpSpPr>
+      <p:grpSpPr>
+        <a:xfrm>
+          <a:off x="0" y="0"/>
+          <a:ext cx="0" cy="0"/>
+          <a:chOff x="0" y="0"/>
+          <a:chExt cx="0" cy="0"/>
+        </a:xfrm>
+      </p:grpSpPr>
+      <p:pic>
+        <p:nvPicPr>
+          <p:cNvPr id="5" name="图片 4"/>
+          <p:cNvPicPr>
+            <a:picLocks noChangeAspect="1"/>
+          </p:cNvPicPr>
+          <p:nvPr/>
+        </p:nvPicPr>
+        <p:blipFill>
+          <a:blip r:embed="rId3">
+            <a:extLst>
+              <a:ext uri="{28A0092B-C50C-407E-A947-70E740481C1C}">
+                <a14:useLocalDpi xmlns:a14="http://schemas.microsoft.com/office/drawing/2010/main" val="0"/>
+              </a:ext>
+            </a:extLst>
+          </a:blip>
+          <a:stretch>
+            <a:fillRect/>
+          </a:stretch>
+        </p:blipFill>
+        <p:spPr>
+          <a:xfrm>
+            <a:off x="9462448" y="6108154"/>
+            <a:ext cx="2445652" cy="559006"/>
+          </a:xfrm>
+          <a:prstGeom prst="rect">
+            <a:avLst/>
+          </a:prstGeom>
+        </p:spPr>
+      </p:pic>
+      <p:sp>
+        <p:nvSpPr>
+          <p:cNvPr id="2" name="矩形 1"/>
+          <p:cNvSpPr/>
+          <p:nvPr/>
+        </p:nvSpPr>
+        <p:spPr>
+          <a:xfrm>
+            <a:off x="678850" y="637611"/>
+            <a:ext cx="3032690" cy="646331"/>
+          </a:xfrm>
+          <a:prstGeom prst="rect">
+            <a:avLst/>
+          </a:prstGeom>
+        </p:spPr>
+        <p:txBody>
+          <a:bodyPr wrap="none">
+            <a:spAutoFit/>
+          </a:bodyPr>
+          <a:lstStyle/>
+          <a:p>
+            <a:r>
+              <a:rPr lang="en-US" altLang="zh-CN" sz="3600" dirty="0" smtClean="0">
+                <a:solidFill>
+                  <a:srgbClr val="FFC000"/>
+                </a:solidFill>
+                <a:latin typeface="+mj-lt"/>
+              </a:rPr>
+              <a:t>Trigger Listener</a:t>
+            </a:r>
+            <a:endParaRPr lang="zh-CN" altLang="en-US" sz="3600" dirty="0">
+              <a:solidFill>
+                <a:srgbClr val="FFC000"/>
+              </a:solidFill>
+              <a:latin typeface="+mj-lt"/>
+            </a:endParaRPr>
+          </a:p>
+        </p:txBody>
+      </p:sp>
+    </p:spTree>
+    <p:extLst>
+      <p:ext uri="{BB962C8B-B14F-4D97-AF65-F5344CB8AC3E}">
+        <p14:creationId xmlns:p14="http://schemas.microsoft.com/office/powerpoint/2010/main" val="1164104309"/>
+      </p:ext>
+    </p:extLst>
+  </p:cSld>
+  <p:clrMapOvr>
+    <a:masterClrMapping/>
+  </p:clrMapOvr>
+  <p:timing>
+    <p:tnLst>
+      <p:par>
+        <p:cTn id="1" dur="indefinite" restart="never" nodeType="tmRoot"/>
+      </p:par>
+    </p:tnLst>
+  </p:timing>
+</p:sld>
+</file>
+
+<file path=ppt/slides/slide16.xml><?xml version="1.0" encoding="utf-8"?>
+<p:sld xmlns:a="http://schemas.openxmlformats.org/drawingml/2006/main" xmlns:r="http://schemas.openxmlformats.org/officeDocument/2006/relationships" xmlns:p="http://schemas.openxmlformats.org/presentationml/2006/main">
+  <p:cSld>
+    <p:spTree>
+      <p:nvGrpSpPr>
+        <p:cNvPr id="1" name=""/>
+        <p:cNvGrpSpPr/>
+        <p:nvPr/>
+      </p:nvGrpSpPr>
+      <p:grpSpPr>
+        <a:xfrm>
+          <a:off x="0" y="0"/>
+          <a:ext cx="0" cy="0"/>
+          <a:chOff x="0" y="0"/>
+          <a:chExt cx="0" cy="0"/>
+        </a:xfrm>
+      </p:grpSpPr>
+      <p:pic>
+        <p:nvPicPr>
+          <p:cNvPr id="5" name="图片 4"/>
+          <p:cNvPicPr>
+            <a:picLocks noChangeAspect="1"/>
+          </p:cNvPicPr>
+          <p:nvPr/>
+        </p:nvPicPr>
+        <p:blipFill>
+          <a:blip r:embed="rId3">
+            <a:extLst>
+              <a:ext uri="{28A0092B-C50C-407E-A947-70E740481C1C}">
+                <a14:useLocalDpi xmlns:a14="http://schemas.microsoft.com/office/drawing/2010/main" val="0"/>
+              </a:ext>
+            </a:extLst>
+          </a:blip>
+          <a:stretch>
+            <a:fillRect/>
+          </a:stretch>
+        </p:blipFill>
+        <p:spPr>
+          <a:xfrm>
+            <a:off x="9462448" y="6108154"/>
+            <a:ext cx="2445652" cy="559006"/>
+          </a:xfrm>
+          <a:prstGeom prst="rect">
+            <a:avLst/>
+          </a:prstGeom>
+        </p:spPr>
+      </p:pic>
+      <p:sp>
+        <p:nvSpPr>
+          <p:cNvPr id="2" name="矩形 1"/>
+          <p:cNvSpPr/>
+          <p:nvPr/>
+        </p:nvSpPr>
+        <p:spPr>
+          <a:xfrm>
+            <a:off x="678850" y="637611"/>
+            <a:ext cx="3443058" cy="646331"/>
+          </a:xfrm>
+          <a:prstGeom prst="rect">
+            <a:avLst/>
+          </a:prstGeom>
+        </p:spPr>
+        <p:txBody>
+          <a:bodyPr wrap="none">
+            <a:spAutoFit/>
+          </a:bodyPr>
+          <a:lstStyle/>
+          <a:p>
+            <a:r>
+              <a:rPr lang="en-US" altLang="zh-CN" sz="3600" dirty="0" smtClean="0">
+                <a:solidFill>
+                  <a:srgbClr val="FFC000"/>
+                </a:solidFill>
+                <a:latin typeface="+mj-lt"/>
+              </a:rPr>
+              <a:t>Schedule Listener</a:t>
+            </a:r>
+            <a:endParaRPr lang="zh-CN" altLang="en-US" sz="3600" dirty="0">
+              <a:solidFill>
+                <a:srgbClr val="FFC000"/>
+              </a:solidFill>
+              <a:latin typeface="+mj-lt"/>
+            </a:endParaRPr>
+          </a:p>
+        </p:txBody>
+      </p:sp>
+    </p:spTree>
+    <p:extLst>
+      <p:ext uri="{BB962C8B-B14F-4D97-AF65-F5344CB8AC3E}">
+        <p14:creationId xmlns:p14="http://schemas.microsoft.com/office/powerpoint/2010/main" val="2005058348"/>
+      </p:ext>
+    </p:extLst>
+  </p:cSld>
+  <p:clrMapOvr>
+    <a:masterClrMapping/>
+  </p:clrMapOvr>
+  <p:timing>
+    <p:tnLst>
+      <p:par>
+        <p:cTn id="1" dur="indefinite" restart="never" nodeType="tmRoot"/>
+      </p:par>
+    </p:tnLst>
+  </p:timing>
+</p:sld>
+</file>
+
+<file path=ppt/slides/slide17.xml><?xml version="1.0" encoding="utf-8"?>
+<p:sld xmlns:a="http://schemas.openxmlformats.org/drawingml/2006/main" xmlns:r="http://schemas.openxmlformats.org/officeDocument/2006/relationships" xmlns:p="http://schemas.openxmlformats.org/presentationml/2006/main">
+  <p:cSld>
+    <p:spTree>
+      <p:nvGrpSpPr>
+        <p:cNvPr id="1" name=""/>
+        <p:cNvGrpSpPr/>
+        <p:nvPr/>
+      </p:nvGrpSpPr>
+      <p:grpSpPr>
+        <a:xfrm>
+          <a:off x="0" y="0"/>
+          <a:ext cx="0" cy="0"/>
+          <a:chOff x="0" y="0"/>
+          <a:chExt cx="0" cy="0"/>
+        </a:xfrm>
+      </p:grpSpPr>
+      <p:pic>
+        <p:nvPicPr>
+          <p:cNvPr id="5" name="图片 4"/>
+          <p:cNvPicPr>
+            <a:picLocks noChangeAspect="1"/>
+          </p:cNvPicPr>
+          <p:nvPr/>
+        </p:nvPicPr>
+        <p:blipFill>
           <a:blip r:embed="rId2">
             <a:extLst>
               <a:ext uri="{28A0092B-C50C-407E-A947-70E740481C1C}">
@@ -4358,115 +5011,9 @@
           <a:chExt cx="0" cy="0"/>
         </a:xfrm>
       </p:grpSpPr>
-      <p:sp>
-        <p:nvSpPr>
-          <p:cNvPr id="2" name="标题 1"/>
-          <p:cNvSpPr>
-            <a:spLocks noGrp="1"/>
-          </p:cNvSpPr>
-          <p:nvPr>
-            <p:ph type="title"/>
-          </p:nvPr>
-        </p:nvSpPr>
-        <p:spPr>
-          <a:xfrm>
-            <a:off x="1452349" y="191070"/>
-            <a:ext cx="8264858" cy="3665518"/>
-          </a:xfrm>
-        </p:spPr>
-        <p:txBody>
-          <a:bodyPr>
-            <a:normAutofit fontScale="90000"/>
-          </a:bodyPr>
-          <a:lstStyle/>
-          <a:p>
-            <a:pPr marL="685800" indent="-685800">
-              <a:lnSpc>
-                <a:spcPct val="150000"/>
-              </a:lnSpc>
-              <a:buFont typeface="Wingdings" panose="05000000000000000000" pitchFamily="2" charset="2"/>
-              <a:buChar char="n"/>
-            </a:pPr>
-            <a:r>
-              <a:rPr lang="en-US" altLang="zh-CN" sz="4800" b="1" dirty="0" smtClean="0">
-                <a:solidFill>
-                  <a:srgbClr val="FFC000"/>
-                </a:solidFill>
-              </a:rPr>
-              <a:t>Quartz</a:t>
-            </a:r>
-            <a:r>
-              <a:rPr lang="en-US" altLang="zh-CN" dirty="0">
-                <a:solidFill>
-                  <a:srgbClr val="FFC000"/>
-                </a:solidFill>
-              </a:rPr>
-              <a:t/>
-            </a:r>
-            <a:br>
-              <a:rPr lang="en-US" altLang="zh-CN" dirty="0">
-                <a:solidFill>
-                  <a:srgbClr val="FFC000"/>
-                </a:solidFill>
-              </a:rPr>
-            </a:br>
-            <a:r>
-              <a:rPr lang="en-US" altLang="zh-CN" dirty="0" smtClean="0">
-                <a:solidFill>
-                  <a:srgbClr val="FFC000"/>
-                </a:solidFill>
-              </a:rPr>
-              <a:t>	</a:t>
-            </a:r>
-            <a:r>
-              <a:rPr lang="en-US" altLang="zh-CN" dirty="0" smtClean="0">
-                <a:solidFill>
-                  <a:srgbClr val="FFC000"/>
-                </a:solidFill>
-              </a:rPr>
-              <a:t>What - Overview</a:t>
-            </a:r>
-            <a:br>
-              <a:rPr lang="en-US" altLang="zh-CN" dirty="0" smtClean="0">
-                <a:solidFill>
-                  <a:srgbClr val="FFC000"/>
-                </a:solidFill>
-              </a:rPr>
-            </a:br>
-            <a:r>
-              <a:rPr lang="en-US" altLang="zh-CN" dirty="0" smtClean="0">
-                <a:solidFill>
-                  <a:srgbClr val="FFC000"/>
-                </a:solidFill>
-              </a:rPr>
-              <a:t>	Why   - Features &amp; Advantages</a:t>
-            </a:r>
-            <a:br>
-              <a:rPr lang="en-US" altLang="zh-CN" dirty="0" smtClean="0">
-                <a:solidFill>
-                  <a:srgbClr val="FFC000"/>
-                </a:solidFill>
-              </a:rPr>
-            </a:br>
-            <a:r>
-              <a:rPr lang="en-US" altLang="zh-CN" dirty="0" smtClean="0">
-                <a:solidFill>
-                  <a:srgbClr val="FFC000"/>
-                </a:solidFill>
-              </a:rPr>
-              <a:t>	How   - Quick Start &amp; Source code</a:t>
-            </a:r>
-            <a:endParaRPr lang="zh-CN" altLang="en-US" dirty="0">
-              <a:solidFill>
-                <a:srgbClr val="FFC000"/>
-              </a:solidFill>
-            </a:endParaRPr>
-          </a:p>
-        </p:txBody>
-      </p:sp>
       <p:pic>
         <p:nvPicPr>
-          <p:cNvPr id="8" name="图片 7"/>
+          <p:cNvPr id="7" name="图片 6"/>
           <p:cNvPicPr>
             <a:picLocks noChangeAspect="1"/>
           </p:cNvPicPr>
@@ -4494,105 +5041,34 @@
           </a:prstGeom>
         </p:spPr>
       </p:pic>
-      <p:sp>
-        <p:nvSpPr>
-          <p:cNvPr id="11" name="文本框 10"/>
-          <p:cNvSpPr txBox="1"/>
+      <p:pic>
+        <p:nvPicPr>
+          <p:cNvPr id="2" name="图片 1"/>
+          <p:cNvPicPr>
+            <a:picLocks noChangeAspect="1"/>
+          </p:cNvPicPr>
           <p:nvPr/>
-        </p:nvSpPr>
-        <p:spPr>
-          <a:xfrm>
-            <a:off x="1452349" y="4197541"/>
-            <a:ext cx="8264858" cy="1569660"/>
+        </p:nvPicPr>
+        <p:blipFill>
+          <a:blip r:embed="rId3"/>
+          <a:stretch>
+            <a:fillRect/>
+          </a:stretch>
+        </p:blipFill>
+        <p:spPr>
+          <a:xfrm>
+            <a:off x="1314735" y="52176"/>
+            <a:ext cx="8147713" cy="6614984"/>
           </a:xfrm>
           <a:prstGeom prst="rect">
             <a:avLst/>
           </a:prstGeom>
-          <a:noFill/>
-        </p:spPr>
-        <p:txBody>
-          <a:bodyPr wrap="square" rtlCol="0">
-            <a:spAutoFit/>
-          </a:bodyPr>
-          <a:lstStyle/>
-          <a:p>
-            <a:pPr marL="285750" indent="-285750">
-              <a:buFont typeface="Wingdings" panose="05000000000000000000" pitchFamily="2" charset="2"/>
-              <a:buChar char="n"/>
-            </a:pPr>
-            <a:r>
-              <a:rPr lang="en-US" altLang="zh-CN" sz="4800" dirty="0">
-                <a:solidFill>
-                  <a:srgbClr val="FFC000"/>
-                </a:solidFill>
-              </a:rPr>
-              <a:t> </a:t>
-            </a:r>
-            <a:r>
-              <a:rPr lang="en-US" altLang="zh-CN" sz="4800" dirty="0" smtClean="0">
-                <a:solidFill>
-                  <a:srgbClr val="FFC000"/>
-                </a:solidFill>
-              </a:rPr>
-              <a:t> </a:t>
-            </a:r>
-            <a:r>
-              <a:rPr lang="en-US" altLang="zh-CN" sz="4800" b="1" dirty="0" smtClean="0">
-                <a:solidFill>
-                  <a:srgbClr val="FFC000"/>
-                </a:solidFill>
-                <a:latin typeface="+mj-lt"/>
-              </a:rPr>
-              <a:t>Quartz in </a:t>
-            </a:r>
-            <a:r>
-              <a:rPr lang="en-US" altLang="zh-CN" sz="4800" b="1" dirty="0" smtClean="0">
-                <a:solidFill>
-                  <a:srgbClr val="FFC000"/>
-                </a:solidFill>
-                <a:latin typeface="+mj-lt"/>
-              </a:rPr>
-              <a:t>Liferay</a:t>
-            </a:r>
-            <a:endParaRPr lang="en-US" altLang="zh-CN" sz="4800" b="1" dirty="0">
-              <a:solidFill>
-                <a:srgbClr val="FFC000"/>
-              </a:solidFill>
-              <a:latin typeface="+mj-lt"/>
-            </a:endParaRPr>
-          </a:p>
-          <a:p>
-            <a:pPr marL="285750" indent="-285750">
-              <a:buFont typeface="Wingdings" panose="05000000000000000000" pitchFamily="2" charset="2"/>
-              <a:buChar char="n"/>
-            </a:pPr>
-            <a:r>
-              <a:rPr lang="en-US" altLang="zh-CN" sz="4800" b="1" dirty="0" smtClean="0">
-                <a:solidFill>
-                  <a:srgbClr val="FFC000"/>
-                </a:solidFill>
-              </a:rPr>
-              <a:t>  </a:t>
-            </a:r>
-            <a:r>
-              <a:rPr lang="en-US" altLang="zh-CN" sz="4800" b="1" dirty="0" smtClean="0">
-                <a:solidFill>
-                  <a:srgbClr val="FFC000"/>
-                </a:solidFill>
-                <a:latin typeface="+mj-lt"/>
-              </a:rPr>
-              <a:t>Quartz in CMS</a:t>
-            </a:r>
-            <a:endParaRPr lang="zh-CN" altLang="en-US" sz="4800" dirty="0">
-              <a:latin typeface="+mj-lt"/>
-            </a:endParaRPr>
-          </a:p>
-        </p:txBody>
-      </p:sp>
+        </p:spPr>
+      </p:pic>
     </p:spTree>
     <p:extLst>
       <p:ext uri="{BB962C8B-B14F-4D97-AF65-F5344CB8AC3E}">
-        <p14:creationId xmlns:p14="http://schemas.microsoft.com/office/powerpoint/2010/main" val="1919488602"/>
+        <p14:creationId xmlns:p14="http://schemas.microsoft.com/office/powerpoint/2010/main" val="165859431"/>
       </p:ext>
     </p:extLst>
   </p:cSld>
@@ -4626,9 +5102,107 @@
           <a:chExt cx="0" cy="0"/>
         </a:xfrm>
       </p:grpSpPr>
+      <p:sp>
+        <p:nvSpPr>
+          <p:cNvPr id="2" name="标题 1"/>
+          <p:cNvSpPr>
+            <a:spLocks noGrp="1"/>
+          </p:cNvSpPr>
+          <p:nvPr>
+            <p:ph type="title"/>
+          </p:nvPr>
+        </p:nvSpPr>
+        <p:spPr>
+          <a:xfrm>
+            <a:off x="1452349" y="191070"/>
+            <a:ext cx="8264858" cy="3665518"/>
+          </a:xfrm>
+        </p:spPr>
+        <p:txBody>
+          <a:bodyPr>
+            <a:normAutofit fontScale="90000"/>
+          </a:bodyPr>
+          <a:lstStyle/>
+          <a:p>
+            <a:pPr marL="685800" indent="-685800">
+              <a:lnSpc>
+                <a:spcPct val="150000"/>
+              </a:lnSpc>
+              <a:buFont typeface="Wingdings" panose="05000000000000000000" pitchFamily="2" charset="2"/>
+              <a:buChar char="n"/>
+            </a:pPr>
+            <a:r>
+              <a:rPr lang="en-US" altLang="zh-CN" sz="4800" b="1" dirty="0" smtClean="0">
+                <a:solidFill>
+                  <a:srgbClr val="FFC000"/>
+                </a:solidFill>
+              </a:rPr>
+              <a:t>Quartz</a:t>
+            </a:r>
+            <a:r>
+              <a:rPr lang="en-US" altLang="zh-CN" dirty="0">
+                <a:solidFill>
+                  <a:srgbClr val="FFC000"/>
+                </a:solidFill>
+              </a:rPr>
+              <a:t/>
+            </a:r>
+            <a:br>
+              <a:rPr lang="en-US" altLang="zh-CN" dirty="0">
+                <a:solidFill>
+                  <a:srgbClr val="FFC000"/>
+                </a:solidFill>
+              </a:rPr>
+            </a:br>
+            <a:r>
+              <a:rPr lang="en-US" altLang="zh-CN" dirty="0" smtClean="0">
+                <a:solidFill>
+                  <a:srgbClr val="FFC000"/>
+                </a:solidFill>
+              </a:rPr>
+              <a:t>	What - Overview</a:t>
+            </a:r>
+            <a:br>
+              <a:rPr lang="en-US" altLang="zh-CN" dirty="0" smtClean="0">
+                <a:solidFill>
+                  <a:srgbClr val="FFC000"/>
+                </a:solidFill>
+              </a:rPr>
+            </a:br>
+            <a:r>
+              <a:rPr lang="en-US" altLang="zh-CN" dirty="0" smtClean="0">
+                <a:solidFill>
+                  <a:srgbClr val="FFC000"/>
+                </a:solidFill>
+              </a:rPr>
+              <a:t>	Why   - Features &amp; Advantages</a:t>
+            </a:r>
+            <a:br>
+              <a:rPr lang="en-US" altLang="zh-CN" dirty="0" smtClean="0">
+                <a:solidFill>
+                  <a:srgbClr val="FFC000"/>
+                </a:solidFill>
+              </a:rPr>
+            </a:br>
+            <a:r>
+              <a:rPr lang="en-US" altLang="zh-CN" dirty="0" smtClean="0">
+                <a:solidFill>
+                  <a:srgbClr val="FFC000"/>
+                </a:solidFill>
+              </a:rPr>
+              <a:t>	How   - Quick Start &amp; Source code</a:t>
+            </a:r>
+            <a:endParaRPr lang="zh-CN" altLang="en-US" dirty="0">
+              <a:solidFill>
+                <a:srgbClr val="FFC000"/>
+              </a:solidFill>
+            </a:endParaRPr>
+          </a:p>
+        </p:txBody>
+      </p:sp>
       <p:pic>
         <p:nvPicPr>
-          <p:cNvPr id="5" name="图片 4"/>
+          <p:cNvPr id="8" name="图片 7"/>
           <p:cNvPicPr>
             <a:picLocks noChangeAspect="1"/>
           </p:cNvPicPr>
@@ -4658,43 +5232,94 @@
       </p:pic>
       <p:sp>
         <p:nvSpPr>
-          <p:cNvPr id="6" name="矩形 5"/>
-          <p:cNvSpPr/>
+          <p:cNvPr id="11" name="文本框 10"/>
+          <p:cNvSpPr txBox="1"/>
           <p:nvPr/>
         </p:nvSpPr>
         <p:spPr>
           <a:xfrm>
-            <a:off x="760429" y="410262"/>
-            <a:ext cx="2318712" cy="769441"/>
+            <a:off x="1452349" y="4197541"/>
+            <a:ext cx="8264858" cy="1569660"/>
           </a:xfrm>
           <a:prstGeom prst="rect">
             <a:avLst/>
           </a:prstGeom>
-        </p:spPr>
-        <p:txBody>
-          <a:bodyPr wrap="none">
+          <a:noFill/>
+        </p:spPr>
+        <p:txBody>
+          <a:bodyPr wrap="square" rtlCol="0">
             <a:spAutoFit/>
           </a:bodyPr>
           <a:lstStyle/>
           <a:p>
-            <a:r>
-              <a:rPr lang="en-US" altLang="zh-CN" sz="4400" dirty="0">
+            <a:pPr marL="285750" indent="-285750">
+              <a:buFont typeface="Wingdings" panose="05000000000000000000" pitchFamily="2" charset="2"/>
+              <a:buChar char="n"/>
+            </a:pPr>
+            <a:r>
+              <a:rPr lang="en-US" altLang="zh-CN" sz="4800" dirty="0">
                 <a:solidFill>
                   <a:srgbClr val="FFC000"/>
                 </a:solidFill>
-                <a:latin typeface="Calibri Light" panose="020F0302020204030204"/>
-                <a:cs typeface="+mj-cs"/>
-              </a:rPr>
-              <a:t>Overview</a:t>
-            </a:r>
-            <a:endParaRPr lang="zh-CN" altLang="en-US" dirty="0"/>
+              </a:rPr>
+              <a:t> </a:t>
+            </a:r>
+            <a:r>
+              <a:rPr lang="en-US" altLang="zh-CN" sz="4800" dirty="0" smtClean="0">
+                <a:solidFill>
+                  <a:srgbClr val="FFC000"/>
+                </a:solidFill>
+              </a:rPr>
+              <a:t> </a:t>
+            </a:r>
+            <a:r>
+              <a:rPr lang="en-US" altLang="zh-CN" sz="4800" b="1" dirty="0" smtClean="0">
+                <a:solidFill>
+                  <a:srgbClr val="FFC000"/>
+                </a:solidFill>
+                <a:latin typeface="+mj-lt"/>
+              </a:rPr>
+              <a:t>Quartz in Liferay</a:t>
+            </a:r>
+            <a:endParaRPr lang="en-US" altLang="zh-CN" sz="4800" b="1" dirty="0">
+              <a:solidFill>
+                <a:srgbClr val="FFC000"/>
+              </a:solidFill>
+              <a:latin typeface="+mj-lt"/>
+            </a:endParaRPr>
+          </a:p>
+          <a:p>
+            <a:pPr marL="285750" indent="-285750">
+              <a:buFont typeface="Wingdings" panose="05000000000000000000" pitchFamily="2" charset="2"/>
+              <a:buChar char="n"/>
+            </a:pPr>
+            <a:r>
+              <a:rPr lang="en-US" altLang="zh-CN" sz="4800" b="1" dirty="0" smtClean="0">
+                <a:solidFill>
+                  <a:srgbClr val="FFC000"/>
+                </a:solidFill>
+              </a:rPr>
+              <a:t>  </a:t>
+            </a:r>
+            <a:r>
+              <a:rPr lang="en-US" altLang="zh-CN" sz="4800" b="1" dirty="0" smtClean="0">
+                <a:solidFill>
+                  <a:srgbClr val="FFC000"/>
+                </a:solidFill>
+                <a:latin typeface="+mj-lt"/>
+              </a:rPr>
+              <a:t>Quartz in CMS</a:t>
+            </a:r>
+            <a:endParaRPr lang="zh-CN" altLang="en-US" sz="4800" dirty="0">
+              <a:latin typeface="+mj-lt"/>
+            </a:endParaRPr>
           </a:p>
         </p:txBody>
       </p:sp>
     </p:spTree>
     <p:extLst>
       <p:ext uri="{BB962C8B-B14F-4D97-AF65-F5344CB8AC3E}">
-        <p14:creationId xmlns:p14="http://schemas.microsoft.com/office/powerpoint/2010/main" val="3641398329"/>
+        <p14:creationId xmlns:p14="http://schemas.microsoft.com/office/powerpoint/2010/main" val="1919488602"/>
       </p:ext>
     </p:extLst>
   </p:cSld>
@@ -4760,35 +5385,34 @@
       </p:pic>
       <p:sp>
         <p:nvSpPr>
-          <p:cNvPr id="2" name="文本框 1"/>
-          <p:cNvSpPr txBox="1"/>
+          <p:cNvPr id="6" name="矩形 5"/>
+          <p:cNvSpPr/>
           <p:nvPr/>
         </p:nvSpPr>
         <p:spPr>
           <a:xfrm>
-            <a:off x="750627" y="545910"/>
-            <a:ext cx="5773003" cy="707886"/>
+            <a:off x="760429" y="410262"/>
+            <a:ext cx="2318712" cy="769441"/>
           </a:xfrm>
           <a:prstGeom prst="rect">
             <a:avLst/>
           </a:prstGeom>
-          <a:noFill/>
-        </p:spPr>
-        <p:txBody>
-          <a:bodyPr wrap="square" rtlCol="0">
+        </p:spPr>
+        <p:txBody>
+          <a:bodyPr wrap="none">
             <a:spAutoFit/>
           </a:bodyPr>
           <a:lstStyle/>
           <a:p>
             <a:r>
-              <a:rPr lang="en-US" altLang="zh-CN" sz="4000" dirty="0">
+              <a:rPr lang="en-US" altLang="zh-CN" sz="4400" dirty="0">
                 <a:solidFill>
                   <a:srgbClr val="FFC000"/>
                 </a:solidFill>
                 <a:latin typeface="Calibri Light" panose="020F0302020204030204"/>
                 <a:cs typeface="+mj-cs"/>
               </a:rPr>
-              <a:t>Features &amp; Advantages</a:t>
+              <a:t>Overview</a:t>
             </a:r>
             <a:endParaRPr lang="zh-CN" altLang="en-US" dirty="0"/>
           </a:p>
@@ -4797,7 +5421,7 @@
     </p:spTree>
     <p:extLst>
       <p:ext uri="{BB962C8B-B14F-4D97-AF65-F5344CB8AC3E}">
-        <p14:creationId xmlns:p14="http://schemas.microsoft.com/office/powerpoint/2010/main" val="1132931770"/>
+        <p14:creationId xmlns:p14="http://schemas.microsoft.com/office/powerpoint/2010/main" val="3641398329"/>
       </p:ext>
     </p:extLst>
   </p:cSld>
@@ -4863,6 +5487,109 @@
       </p:pic>
       <p:sp>
         <p:nvSpPr>
+          <p:cNvPr id="2" name="文本框 1"/>
+          <p:cNvSpPr txBox="1"/>
+          <p:nvPr/>
+        </p:nvSpPr>
+        <p:spPr>
+          <a:xfrm>
+            <a:off x="750627" y="545910"/>
+            <a:ext cx="5773003" cy="707886"/>
+          </a:xfrm>
+          <a:prstGeom prst="rect">
+            <a:avLst/>
+          </a:prstGeom>
+          <a:noFill/>
+        </p:spPr>
+        <p:txBody>
+          <a:bodyPr wrap="square" rtlCol="0">
+            <a:spAutoFit/>
+          </a:bodyPr>
+          <a:lstStyle/>
+          <a:p>
+            <a:r>
+              <a:rPr lang="en-US" altLang="zh-CN" sz="4000" dirty="0">
+                <a:solidFill>
+                  <a:srgbClr val="FFC000"/>
+                </a:solidFill>
+                <a:latin typeface="Calibri Light" panose="020F0302020204030204"/>
+                <a:cs typeface="+mj-cs"/>
+              </a:rPr>
+              <a:t>Features &amp; Advantages</a:t>
+            </a:r>
+            <a:endParaRPr lang="zh-CN" altLang="en-US" dirty="0"/>
+          </a:p>
+        </p:txBody>
+      </p:sp>
+    </p:spTree>
+    <p:extLst>
+      <p:ext uri="{BB962C8B-B14F-4D97-AF65-F5344CB8AC3E}">
+        <p14:creationId xmlns:p14="http://schemas.microsoft.com/office/powerpoint/2010/main" val="1132931770"/>
+      </p:ext>
+    </p:extLst>
+  </p:cSld>
+  <p:clrMapOvr>
+    <a:masterClrMapping/>
+  </p:clrMapOvr>
+  <p:timing>
+    <p:tnLst>
+      <p:par>
+        <p:cTn id="1" dur="indefinite" restart="never" nodeType="tmRoot"/>
+      </p:par>
+    </p:tnLst>
+  </p:timing>
+</p:sld>
+</file>
+
+<file path=ppt/slides/slide6.xml><?xml version="1.0" encoding="utf-8"?>
+<p:sld xmlns:a="http://schemas.openxmlformats.org/drawingml/2006/main" xmlns:r="http://schemas.openxmlformats.org/officeDocument/2006/relationships" xmlns:p="http://schemas.openxmlformats.org/presentationml/2006/main">
+  <p:cSld>
+    <p:spTree>
+      <p:nvGrpSpPr>
+        <p:cNvPr id="1" name=""/>
+        <p:cNvGrpSpPr/>
+        <p:nvPr/>
+      </p:nvGrpSpPr>
+      <p:grpSpPr>
+        <a:xfrm>
+          <a:off x="0" y="0"/>
+          <a:ext cx="0" cy="0"/>
+          <a:chOff x="0" y="0"/>
+          <a:chExt cx="0" cy="0"/>
+        </a:xfrm>
+      </p:grpSpPr>
+      <p:pic>
+        <p:nvPicPr>
+          <p:cNvPr id="5" name="图片 4"/>
+          <p:cNvPicPr>
+            <a:picLocks noChangeAspect="1"/>
+          </p:cNvPicPr>
+          <p:nvPr/>
+        </p:nvPicPr>
+        <p:blipFill>
+          <a:blip r:embed="rId2">
+            <a:extLst>
+              <a:ext uri="{28A0092B-C50C-407E-A947-70E740481C1C}">
+                <a14:useLocalDpi xmlns:a14="http://schemas.microsoft.com/office/drawing/2010/main" val="0"/>
+              </a:ext>
+            </a:extLst>
+          </a:blip>
+          <a:stretch>
+            <a:fillRect/>
+          </a:stretch>
+        </p:blipFill>
+        <p:spPr>
+          <a:xfrm>
+            <a:off x="9462448" y="6108154"/>
+            <a:ext cx="2445652" cy="559006"/>
+          </a:xfrm>
+          <a:prstGeom prst="rect">
+            <a:avLst/>
+          </a:prstGeom>
+        </p:spPr>
+      </p:pic>
+      <p:sp>
+        <p:nvSpPr>
           <p:cNvPr id="2" name="矩形 1"/>
           <p:cNvSpPr/>
           <p:nvPr/>
@@ -4940,7 +5667,7 @@
 </p:sld>
 </file>
 
-<file path=ppt/slides/slide6.xml><?xml version="1.0" encoding="utf-8"?>
+<file path=ppt/slides/slide7.xml><?xml version="1.0" encoding="utf-8"?>
 <p:sld xmlns:a="http://schemas.openxmlformats.org/drawingml/2006/main" xmlns:r="http://schemas.openxmlformats.org/officeDocument/2006/relationships" xmlns:p="http://schemas.openxmlformats.org/presentationml/2006/main">
   <p:cSld>
     <p:spTree>
@@ -5015,363 +5742,6 @@
     <p:extLst>
       <p:ext uri="{BB962C8B-B14F-4D97-AF65-F5344CB8AC3E}">
         <p14:creationId xmlns:p14="http://schemas.microsoft.com/office/powerpoint/2010/main" val="727978809"/>
-      </p:ext>
-    </p:extLst>
-  </p:cSld>
-  <p:clrMapOvr>
-    <a:masterClrMapping/>
-  </p:clrMapOvr>
-  <p:timing>
-    <p:tnLst>
-      <p:par>
-        <p:cTn id="1" dur="indefinite" restart="never" nodeType="tmRoot"/>
-      </p:par>
-    </p:tnLst>
-  </p:timing>
-</p:sld>
-</file>
-
-<file path=ppt/slides/slide7.xml><?xml version="1.0" encoding="utf-8"?>
-<p:sld xmlns:a="http://schemas.openxmlformats.org/drawingml/2006/main" xmlns:r="http://schemas.openxmlformats.org/officeDocument/2006/relationships" xmlns:p="http://schemas.openxmlformats.org/presentationml/2006/main">
-  <p:cSld>
-    <p:spTree>
-      <p:nvGrpSpPr>
-        <p:cNvPr id="1" name=""/>
-        <p:cNvGrpSpPr/>
-        <p:nvPr/>
-      </p:nvGrpSpPr>
-      <p:grpSpPr>
-        <a:xfrm>
-          <a:off x="0" y="0"/>
-          <a:ext cx="0" cy="0"/>
-          <a:chOff x="0" y="0"/>
-          <a:chExt cx="0" cy="0"/>
-        </a:xfrm>
-      </p:grpSpPr>
-      <p:pic>
-        <p:nvPicPr>
-          <p:cNvPr id="5" name="图片 4"/>
-          <p:cNvPicPr>
-            <a:picLocks noChangeAspect="1"/>
-          </p:cNvPicPr>
-          <p:nvPr/>
-        </p:nvPicPr>
-        <p:blipFill>
-          <a:blip r:embed="rId2">
-            <a:extLst>
-              <a:ext uri="{28A0092B-C50C-407E-A947-70E740481C1C}">
-                <a14:useLocalDpi xmlns:a14="http://schemas.microsoft.com/office/drawing/2010/main" val="0"/>
-              </a:ext>
-            </a:extLst>
-          </a:blip>
-          <a:stretch>
-            <a:fillRect/>
-          </a:stretch>
-        </p:blipFill>
-        <p:spPr>
-          <a:xfrm>
-            <a:off x="9462448" y="6108154"/>
-            <a:ext cx="2445652" cy="559006"/>
-          </a:xfrm>
-          <a:prstGeom prst="rect">
-            <a:avLst/>
-          </a:prstGeom>
-        </p:spPr>
-      </p:pic>
-      <p:sp>
-        <p:nvSpPr>
-          <p:cNvPr id="2" name="矩形 1"/>
-          <p:cNvSpPr/>
-          <p:nvPr/>
-        </p:nvSpPr>
-        <p:spPr>
-          <a:xfrm>
-            <a:off x="211308" y="273785"/>
-            <a:ext cx="11853313" cy="5816977"/>
-          </a:xfrm>
-          <a:prstGeom prst="rect">
-            <a:avLst/>
-          </a:prstGeom>
-        </p:spPr>
-        <p:txBody>
-          <a:bodyPr wrap="square">
-            <a:spAutoFit/>
-          </a:bodyPr>
-          <a:lstStyle/>
-          <a:p>
-            <a:r>
-              <a:rPr lang="en-US" altLang="zh-CN" sz="4400" dirty="0" smtClean="0">
-                <a:solidFill>
-                  <a:srgbClr val="FFC000"/>
-                </a:solidFill>
-                <a:latin typeface="Calibri Light" panose="020F0302020204030204"/>
-                <a:cs typeface="+mj-cs"/>
-              </a:rPr>
-              <a:t>The key interfaces</a:t>
-            </a:r>
-          </a:p>
-          <a:p>
-            <a:pPr marL="571500" indent="-571500">
-              <a:buFont typeface="Wingdings" panose="05000000000000000000" pitchFamily="2" charset="2"/>
-              <a:buChar char="n"/>
-            </a:pPr>
-            <a:r>
-              <a:rPr lang="en-US" altLang="zh-CN" sz="3600" dirty="0" smtClean="0">
-                <a:solidFill>
-                  <a:srgbClr val="FFC000"/>
-                </a:solidFill>
-                <a:latin typeface="Calibri Light" panose="020F0302020204030204"/>
-                <a:cs typeface="+mj-cs"/>
-              </a:rPr>
-              <a:t>Scheduler</a:t>
-            </a:r>
-            <a:r>
-              <a:rPr lang="en-US" altLang="zh-CN" sz="4400" dirty="0" smtClean="0">
-                <a:solidFill>
-                  <a:srgbClr val="FFC000"/>
-                </a:solidFill>
-                <a:latin typeface="Calibri Light" panose="020F0302020204030204"/>
-                <a:cs typeface="+mj-cs"/>
-              </a:rPr>
-              <a:t> - </a:t>
-            </a:r>
-            <a:r>
-              <a:rPr lang="en-US" altLang="zh-CN" sz="3200" dirty="0" smtClean="0">
-                <a:solidFill>
-                  <a:schemeClr val="tx2"/>
-                </a:solidFill>
-                <a:latin typeface="Calibri Light" panose="020F0302020204030204"/>
-                <a:cs typeface="+mj-cs"/>
-              </a:rPr>
-              <a:t>the main API for interacting with the scheduler.</a:t>
-            </a:r>
-          </a:p>
-          <a:p>
-            <a:pPr marL="571500" indent="-571500">
-              <a:buFont typeface="Wingdings" panose="05000000000000000000" pitchFamily="2" charset="2"/>
-              <a:buChar char="n"/>
-            </a:pPr>
-            <a:r>
-              <a:rPr lang="en-US" altLang="zh-CN" sz="3600" dirty="0" smtClean="0">
-                <a:solidFill>
-                  <a:srgbClr val="FFC000"/>
-                </a:solidFill>
-                <a:latin typeface="Calibri Light" panose="020F0302020204030204"/>
-                <a:cs typeface="+mj-cs"/>
-              </a:rPr>
-              <a:t>Job</a:t>
-            </a:r>
-            <a:r>
-              <a:rPr lang="en-US" altLang="zh-CN" sz="4400" dirty="0" smtClean="0">
-                <a:solidFill>
-                  <a:srgbClr val="FFC000"/>
-                </a:solidFill>
-                <a:latin typeface="Calibri Light" panose="020F0302020204030204"/>
-                <a:cs typeface="+mj-cs"/>
-              </a:rPr>
-              <a:t> </a:t>
-            </a:r>
-            <a:r>
-              <a:rPr lang="en-US" altLang="zh-CN" sz="4400" dirty="0" smtClean="0">
-                <a:solidFill>
-                  <a:schemeClr val="tx2"/>
-                </a:solidFill>
-                <a:latin typeface="Calibri Light" panose="020F0302020204030204"/>
-                <a:cs typeface="+mj-cs"/>
-              </a:rPr>
-              <a:t>- </a:t>
-            </a:r>
-            <a:r>
-              <a:rPr lang="en-US" altLang="zh-CN" sz="3200" dirty="0" smtClean="0">
-                <a:solidFill>
-                  <a:schemeClr val="tx2"/>
-                </a:solidFill>
-                <a:latin typeface="Calibri Light" panose="020F0302020204030204"/>
-                <a:cs typeface="+mj-cs"/>
-              </a:rPr>
-              <a:t>implemented by components that you wish to have executed by the scheduler.</a:t>
-            </a:r>
-          </a:p>
-          <a:p>
-            <a:pPr marL="571500" indent="-571500">
-              <a:buFont typeface="Wingdings" panose="05000000000000000000" pitchFamily="2" charset="2"/>
-              <a:buChar char="n"/>
-            </a:pPr>
-            <a:r>
-              <a:rPr lang="en-US" altLang="zh-CN" sz="3600" dirty="0" smtClean="0">
-                <a:solidFill>
-                  <a:srgbClr val="FFC000"/>
-                </a:solidFill>
-                <a:latin typeface="Calibri Light" panose="020F0302020204030204"/>
-                <a:cs typeface="+mj-cs"/>
-              </a:rPr>
-              <a:t>JobDetail</a:t>
-            </a:r>
-            <a:r>
-              <a:rPr lang="en-US" altLang="zh-CN" sz="4400" dirty="0" smtClean="0">
-                <a:solidFill>
-                  <a:srgbClr val="FFC000"/>
-                </a:solidFill>
-                <a:latin typeface="Calibri Light" panose="020F0302020204030204"/>
-                <a:cs typeface="+mj-cs"/>
-              </a:rPr>
-              <a:t> - </a:t>
-            </a:r>
-            <a:r>
-              <a:rPr lang="en-US" altLang="zh-CN" sz="3600" dirty="0" smtClean="0">
-                <a:solidFill>
-                  <a:schemeClr val="tx2"/>
-                </a:solidFill>
-                <a:latin typeface="Calibri Light" panose="020F0302020204030204"/>
-                <a:cs typeface="+mj-cs"/>
-              </a:rPr>
-              <a:t>define instances of Jobs</a:t>
-            </a:r>
-            <a:r>
-              <a:rPr lang="en-US" altLang="zh-CN" sz="4400" dirty="0" smtClean="0">
-                <a:solidFill>
-                  <a:schemeClr val="tx2"/>
-                </a:solidFill>
-                <a:latin typeface="Calibri Light" panose="020F0302020204030204"/>
-                <a:cs typeface="+mj-cs"/>
-              </a:rPr>
-              <a:t>.</a:t>
-            </a:r>
-          </a:p>
-          <a:p>
-            <a:pPr marL="571500" indent="-571500">
-              <a:buFont typeface="Wingdings" panose="05000000000000000000" pitchFamily="2" charset="2"/>
-              <a:buChar char="n"/>
-            </a:pPr>
-            <a:r>
-              <a:rPr lang="en-US" altLang="zh-CN" sz="3600" dirty="0" smtClean="0">
-                <a:solidFill>
-                  <a:srgbClr val="FFC000"/>
-                </a:solidFill>
-                <a:latin typeface="Calibri Light" panose="020F0302020204030204"/>
-                <a:cs typeface="+mj-cs"/>
-              </a:rPr>
-              <a:t>Trigger</a:t>
-            </a:r>
-            <a:r>
-              <a:rPr lang="en-US" altLang="zh-CN" sz="4400" dirty="0" smtClean="0">
-                <a:solidFill>
-                  <a:srgbClr val="FFC000"/>
-                </a:solidFill>
-                <a:latin typeface="Calibri Light" panose="020F0302020204030204"/>
-                <a:cs typeface="+mj-cs"/>
-              </a:rPr>
-              <a:t> - </a:t>
-            </a:r>
-            <a:r>
-              <a:rPr lang="en-US" altLang="zh-CN" sz="3200" dirty="0" smtClean="0">
-                <a:solidFill>
-                  <a:schemeClr val="tx2"/>
-                </a:solidFill>
-                <a:latin typeface="Calibri Light" panose="020F0302020204030204"/>
-                <a:cs typeface="+mj-cs"/>
-              </a:rPr>
-              <a:t>a component that defines the schedule upon which a given Job will be executed.</a:t>
-            </a:r>
-          </a:p>
-          <a:p>
-            <a:pPr marL="571500" indent="-571500">
-              <a:buFont typeface="Wingdings" panose="05000000000000000000" pitchFamily="2" charset="2"/>
-              <a:buChar char="n"/>
-            </a:pPr>
-            <a:r>
-              <a:rPr lang="en-US" altLang="zh-CN" sz="3600" dirty="0" smtClean="0">
-                <a:solidFill>
-                  <a:srgbClr val="FFC000"/>
-                </a:solidFill>
-                <a:latin typeface="Calibri Light" panose="020F0302020204030204"/>
-                <a:cs typeface="+mj-cs"/>
-              </a:rPr>
-              <a:t>JobBuilder</a:t>
-            </a:r>
-            <a:r>
-              <a:rPr lang="en-US" altLang="zh-CN" sz="4400" dirty="0" smtClean="0">
-                <a:solidFill>
-                  <a:srgbClr val="FFC000"/>
-                </a:solidFill>
-                <a:latin typeface="Calibri Light" panose="020F0302020204030204"/>
-                <a:cs typeface="+mj-cs"/>
-              </a:rPr>
-              <a:t> - </a:t>
-            </a:r>
-            <a:r>
-              <a:rPr lang="en-US" altLang="zh-CN" sz="3200" dirty="0" smtClean="0">
-                <a:solidFill>
-                  <a:schemeClr val="tx2"/>
-                </a:solidFill>
-                <a:latin typeface="Calibri Light" panose="020F0302020204030204"/>
-                <a:cs typeface="+mj-cs"/>
-              </a:rPr>
-              <a:t>define/build JobDetail instances</a:t>
-            </a:r>
-            <a:r>
-              <a:rPr lang="en-US" altLang="zh-CN" sz="4400" dirty="0" smtClean="0">
-                <a:solidFill>
-                  <a:schemeClr val="tx2"/>
-                </a:solidFill>
-                <a:latin typeface="Calibri Light" panose="020F0302020204030204"/>
-                <a:cs typeface="+mj-cs"/>
-              </a:rPr>
-              <a:t>.</a:t>
-            </a:r>
-          </a:p>
-          <a:p>
-            <a:pPr marL="571500" indent="-571500">
-              <a:buFont typeface="Wingdings" panose="05000000000000000000" pitchFamily="2" charset="2"/>
-              <a:buChar char="n"/>
-            </a:pPr>
-            <a:r>
-              <a:rPr lang="en-US" altLang="zh-CN" sz="3600" dirty="0" smtClean="0">
-                <a:solidFill>
-                  <a:srgbClr val="FFC000"/>
-                </a:solidFill>
-                <a:latin typeface="Calibri Light" panose="020F0302020204030204"/>
-                <a:cs typeface="+mj-cs"/>
-              </a:rPr>
-              <a:t>TriggerBuilder </a:t>
-            </a:r>
-            <a:r>
-              <a:rPr lang="en-US" altLang="zh-CN" sz="4400" dirty="0" smtClean="0">
-                <a:solidFill>
-                  <a:srgbClr val="FFC000"/>
-                </a:solidFill>
-                <a:latin typeface="Calibri Light" panose="020F0302020204030204"/>
-                <a:cs typeface="+mj-cs"/>
-              </a:rPr>
-              <a:t>- </a:t>
-            </a:r>
-            <a:r>
-              <a:rPr lang="en-US" altLang="zh-CN" sz="3200" dirty="0" smtClean="0">
-                <a:solidFill>
-                  <a:schemeClr val="tx2"/>
-                </a:solidFill>
-                <a:latin typeface="Calibri Light" panose="020F0302020204030204"/>
-                <a:cs typeface="+mj-cs"/>
-              </a:rPr>
-              <a:t>define/build Trigger instances</a:t>
-            </a:r>
-            <a:r>
-              <a:rPr lang="en-US" altLang="zh-CN" sz="3200" dirty="0" smtClean="0">
-                <a:solidFill>
-                  <a:srgbClr val="FFC000"/>
-                </a:solidFill>
-                <a:latin typeface="Calibri Light" panose="020F0302020204030204"/>
-                <a:cs typeface="+mj-cs"/>
-              </a:rPr>
-              <a:t>.</a:t>
-            </a:r>
-          </a:p>
-        </p:txBody>
-      </p:sp>
-    </p:spTree>
-    <p:extLst>
-      <p:ext uri="{BB962C8B-B14F-4D97-AF65-F5344CB8AC3E}">
-        <p14:creationId xmlns:p14="http://schemas.microsoft.com/office/powerpoint/2010/main" val="736873976"/>
       </p:ext>
     </p:extLst>
   </p:cSld>
@@ -5443,127 +5813,292 @@
         </p:nvSpPr>
         <p:spPr>
           <a:xfrm>
-            <a:off x="801680" y="664907"/>
-            <a:ext cx="4728410" cy="646331"/>
+            <a:off x="211308" y="273785"/>
+            <a:ext cx="11853313" cy="5816977"/>
           </a:xfrm>
           <a:prstGeom prst="rect">
             <a:avLst/>
           </a:prstGeom>
         </p:spPr>
         <p:txBody>
-          <a:bodyPr wrap="none">
+          <a:bodyPr wrap="square">
             <a:spAutoFit/>
           </a:bodyPr>
           <a:lstStyle/>
           <a:p>
             <a:r>
+              <a:rPr lang="en-US" altLang="zh-CN" sz="4400" dirty="0" smtClean="0">
+                <a:solidFill>
+                  <a:srgbClr val="FFC000"/>
+                </a:solidFill>
+                <a:latin typeface="Calibri Light" panose="020F0302020204030204"/>
+                <a:cs typeface="+mj-cs"/>
+              </a:rPr>
+              <a:t>The key interfaces</a:t>
+            </a:r>
+          </a:p>
+          <a:p>
+            <a:pPr marL="571500" indent="-571500">
+              <a:buFont typeface="Wingdings" panose="05000000000000000000" pitchFamily="2" charset="2"/>
+              <a:buChar char="n"/>
+            </a:pPr>
+            <a:r>
               <a:rPr lang="en-US" altLang="zh-CN" sz="3600" dirty="0" smtClean="0">
                 <a:solidFill>
                   <a:srgbClr val="FFC000"/>
                 </a:solidFill>
-                <a:latin typeface="+mj-lt"/>
-              </a:rPr>
-              <a:t>Configuration properties</a:t>
-            </a:r>
-            <a:endParaRPr lang="zh-CN" altLang="en-US" sz="3600" dirty="0">
-              <a:solidFill>
-                <a:srgbClr val="FFC000"/>
-              </a:solidFill>
-              <a:latin typeface="+mj-lt"/>
-            </a:endParaRPr>
-          </a:p>
-        </p:txBody>
-      </p:sp>
-      <p:sp>
-        <p:nvSpPr>
-          <p:cNvPr id="3" name="文本框 2"/>
-          <p:cNvSpPr txBox="1"/>
-          <p:nvPr/>
-        </p:nvSpPr>
-        <p:spPr>
-          <a:xfrm>
-            <a:off x="801680" y="1419367"/>
-            <a:ext cx="8769132" cy="369332"/>
-          </a:xfrm>
-          <a:prstGeom prst="rect">
-            <a:avLst/>
-          </a:prstGeom>
-          <a:noFill/>
-        </p:spPr>
-        <p:txBody>
-          <a:bodyPr wrap="none" rtlCol="0">
-            <a:spAutoFit/>
-          </a:bodyPr>
-          <a:lstStyle/>
-          <a:p>
-            <a:r>
-              <a:rPr lang="en-US" altLang="zh-CN" dirty="0">
-                <a:solidFill>
-                  <a:srgbClr val="002060"/>
-                </a:solidFill>
-              </a:rPr>
-              <a:t>P</a:t>
-            </a:r>
-            <a:r>
-              <a:rPr lang="en-US" altLang="zh-CN" dirty="0" smtClean="0">
-                <a:solidFill>
-                  <a:srgbClr val="002060"/>
-                </a:solidFill>
-              </a:rPr>
-              <a:t>riority: custom properties path-&gt;</a:t>
-            </a:r>
-            <a:r>
-              <a:rPr lang="en-US" altLang="zh-CN" dirty="0" err="1" smtClean="0">
-                <a:solidFill>
-                  <a:srgbClr val="002060"/>
-                </a:solidFill>
-              </a:rPr>
-              <a:t>classpth</a:t>
-            </a:r>
-            <a:r>
-              <a:rPr lang="en-US" altLang="zh-CN" dirty="0" smtClean="0">
-                <a:solidFill>
-                  <a:srgbClr val="002060"/>
-                </a:solidFill>
-              </a:rPr>
-              <a:t>/</a:t>
-            </a:r>
-            <a:r>
-              <a:rPr lang="en-US" altLang="zh-CN" dirty="0" err="1" smtClean="0">
-                <a:solidFill>
-                  <a:srgbClr val="002060"/>
-                </a:solidFill>
-              </a:rPr>
-              <a:t>quartz.properties</a:t>
-            </a:r>
-            <a:r>
-              <a:rPr lang="en-US" altLang="zh-CN" dirty="0" smtClean="0">
-                <a:solidFill>
-                  <a:srgbClr val="002060"/>
-                </a:solidFill>
-              </a:rPr>
-              <a:t>-&gt;org/quartz/</a:t>
-            </a:r>
-            <a:r>
-              <a:rPr lang="en-US" altLang="zh-CN" dirty="0" err="1" smtClean="0">
-                <a:solidFill>
-                  <a:srgbClr val="002060"/>
-                </a:solidFill>
-              </a:rPr>
-              <a:t>quartz.properties</a:t>
-            </a:r>
-            <a:endParaRPr lang="zh-CN" altLang="en-US" dirty="0">
-              <a:solidFill>
-                <a:srgbClr val="002060"/>
-              </a:solidFill>
-            </a:endParaRPr>
+                <a:latin typeface="Calibri Light" panose="020F0302020204030204"/>
+                <a:cs typeface="+mj-cs"/>
+              </a:rPr>
+              <a:t>Scheduler</a:t>
+            </a:r>
+            <a:r>
+              <a:rPr lang="en-US" altLang="zh-CN" sz="4400" dirty="0" smtClean="0">
+                <a:solidFill>
+                  <a:srgbClr val="FFC000"/>
+                </a:solidFill>
+                <a:latin typeface="Calibri Light" panose="020F0302020204030204"/>
+                <a:cs typeface="+mj-cs"/>
+              </a:rPr>
+              <a:t> - </a:t>
+            </a:r>
+            <a:r>
+              <a:rPr lang="en-US" altLang="zh-CN" sz="3200" dirty="0" smtClean="0">
+                <a:solidFill>
+                  <a:schemeClr val="tx2"/>
+                </a:solidFill>
+                <a:latin typeface="Calibri Light" panose="020F0302020204030204"/>
+                <a:cs typeface="+mj-cs"/>
+              </a:rPr>
+              <a:t>the main API for interacting with the scheduler.</a:t>
+            </a:r>
+          </a:p>
+          <a:p>
+            <a:pPr marL="571500" indent="-571500">
+              <a:buFont typeface="Wingdings" panose="05000000000000000000" pitchFamily="2" charset="2"/>
+              <a:buChar char="n"/>
+            </a:pPr>
+            <a:r>
+              <a:rPr lang="en-US" altLang="zh-CN" sz="3600" dirty="0" smtClean="0">
+                <a:solidFill>
+                  <a:srgbClr val="FFC000"/>
+                </a:solidFill>
+                <a:latin typeface="Calibri Light" panose="020F0302020204030204"/>
+                <a:cs typeface="+mj-cs"/>
+              </a:rPr>
+              <a:t>Job</a:t>
+            </a:r>
+            <a:r>
+              <a:rPr lang="en-US" altLang="zh-CN" sz="4400" dirty="0" smtClean="0">
+                <a:solidFill>
+                  <a:srgbClr val="FFC000"/>
+                </a:solidFill>
+                <a:latin typeface="Calibri Light" panose="020F0302020204030204"/>
+                <a:cs typeface="+mj-cs"/>
+              </a:rPr>
+              <a:t> </a:t>
+            </a:r>
+            <a:r>
+              <a:rPr lang="en-US" altLang="zh-CN" sz="4400" dirty="0" smtClean="0">
+                <a:solidFill>
+                  <a:schemeClr val="tx2"/>
+                </a:solidFill>
+                <a:latin typeface="Calibri Light" panose="020F0302020204030204"/>
+                <a:cs typeface="+mj-cs"/>
+              </a:rPr>
+              <a:t>- </a:t>
+            </a:r>
+            <a:r>
+              <a:rPr lang="en-US" altLang="zh-CN" sz="3200" dirty="0" smtClean="0">
+                <a:solidFill>
+                  <a:schemeClr val="tx2"/>
+                </a:solidFill>
+                <a:latin typeface="Calibri Light" panose="020F0302020204030204"/>
+                <a:cs typeface="+mj-cs"/>
+              </a:rPr>
+              <a:t>implemented by components that you wish to have executed by the scheduler.</a:t>
+            </a:r>
+          </a:p>
+          <a:p>
+            <a:pPr marL="571500" indent="-571500">
+              <a:buFont typeface="Wingdings" panose="05000000000000000000" pitchFamily="2" charset="2"/>
+              <a:buChar char="n"/>
+            </a:pPr>
+            <a:r>
+              <a:rPr lang="en-US" altLang="zh-CN" sz="3600" dirty="0" smtClean="0">
+                <a:solidFill>
+                  <a:srgbClr val="FFC000"/>
+                </a:solidFill>
+                <a:latin typeface="Calibri Light" panose="020F0302020204030204"/>
+                <a:cs typeface="+mj-cs"/>
+              </a:rPr>
+              <a:t>JobDetail</a:t>
+            </a:r>
+            <a:r>
+              <a:rPr lang="en-US" altLang="zh-CN" sz="4400" dirty="0" smtClean="0">
+                <a:solidFill>
+                  <a:srgbClr val="FFC000"/>
+                </a:solidFill>
+                <a:latin typeface="Calibri Light" panose="020F0302020204030204"/>
+                <a:cs typeface="+mj-cs"/>
+              </a:rPr>
+              <a:t> - </a:t>
+            </a:r>
+            <a:r>
+              <a:rPr lang="en-US" altLang="zh-CN" sz="3600" dirty="0" smtClean="0">
+                <a:solidFill>
+                  <a:schemeClr val="tx2"/>
+                </a:solidFill>
+                <a:latin typeface="Calibri Light" panose="020F0302020204030204"/>
+                <a:cs typeface="+mj-cs"/>
+              </a:rPr>
+              <a:t>define instances of Jobs</a:t>
+            </a:r>
+            <a:r>
+              <a:rPr lang="en-US" altLang="zh-CN" sz="4400" dirty="0" smtClean="0">
+                <a:solidFill>
+                  <a:schemeClr val="tx2"/>
+                </a:solidFill>
+                <a:latin typeface="Calibri Light" panose="020F0302020204030204"/>
+                <a:cs typeface="+mj-cs"/>
+              </a:rPr>
+              <a:t>.</a:t>
+            </a:r>
+          </a:p>
+          <a:p>
+            <a:pPr marL="571500" indent="-571500">
+              <a:buFont typeface="Wingdings" panose="05000000000000000000" pitchFamily="2" charset="2"/>
+              <a:buChar char="n"/>
+            </a:pPr>
+            <a:r>
+              <a:rPr lang="en-US" altLang="zh-CN" sz="3600" dirty="0" smtClean="0">
+                <a:solidFill>
+                  <a:srgbClr val="FFC000"/>
+                </a:solidFill>
+                <a:latin typeface="Calibri Light" panose="020F0302020204030204"/>
+                <a:cs typeface="+mj-cs"/>
+              </a:rPr>
+              <a:t>Trigger</a:t>
+            </a:r>
+            <a:r>
+              <a:rPr lang="en-US" altLang="zh-CN" sz="4400" dirty="0" smtClean="0">
+                <a:solidFill>
+                  <a:srgbClr val="FFC000"/>
+                </a:solidFill>
+                <a:latin typeface="Calibri Light" panose="020F0302020204030204"/>
+                <a:cs typeface="+mj-cs"/>
+              </a:rPr>
+              <a:t> - </a:t>
+            </a:r>
+            <a:r>
+              <a:rPr lang="en-US" altLang="zh-CN" sz="3200" dirty="0" smtClean="0">
+                <a:solidFill>
+                  <a:schemeClr val="tx2"/>
+                </a:solidFill>
+                <a:latin typeface="Calibri Light" panose="020F0302020204030204"/>
+                <a:cs typeface="+mj-cs"/>
+              </a:rPr>
+              <a:t>a component that defines the schedule upon which a given Job will be executed.</a:t>
+            </a:r>
+          </a:p>
+          <a:p>
+            <a:pPr marL="571500" indent="-571500">
+              <a:buFont typeface="Wingdings" panose="05000000000000000000" pitchFamily="2" charset="2"/>
+              <a:buChar char="n"/>
+            </a:pPr>
+            <a:r>
+              <a:rPr lang="en-US" altLang="zh-CN" sz="3600" dirty="0" smtClean="0">
+                <a:solidFill>
+                  <a:srgbClr val="FFC000"/>
+                </a:solidFill>
+                <a:latin typeface="Calibri Light" panose="020F0302020204030204"/>
+                <a:cs typeface="+mj-cs"/>
+              </a:rPr>
+              <a:t>JobBuilder</a:t>
+            </a:r>
+            <a:r>
+              <a:rPr lang="en-US" altLang="zh-CN" sz="4400" dirty="0" smtClean="0">
+                <a:solidFill>
+                  <a:srgbClr val="FFC000"/>
+                </a:solidFill>
+                <a:latin typeface="Calibri Light" panose="020F0302020204030204"/>
+                <a:cs typeface="+mj-cs"/>
+              </a:rPr>
+              <a:t> - </a:t>
+            </a:r>
+            <a:r>
+              <a:rPr lang="en-US" altLang="zh-CN" sz="3200" dirty="0" smtClean="0">
+                <a:solidFill>
+                  <a:schemeClr val="tx2"/>
+                </a:solidFill>
+                <a:latin typeface="Calibri Light" panose="020F0302020204030204"/>
+                <a:cs typeface="+mj-cs"/>
+              </a:rPr>
+              <a:t>define/build JobDetail instances</a:t>
+            </a:r>
+            <a:r>
+              <a:rPr lang="en-US" altLang="zh-CN" sz="4400" dirty="0" smtClean="0">
+                <a:solidFill>
+                  <a:schemeClr val="tx2"/>
+                </a:solidFill>
+                <a:latin typeface="Calibri Light" panose="020F0302020204030204"/>
+                <a:cs typeface="+mj-cs"/>
+              </a:rPr>
+              <a:t>.</a:t>
+            </a:r>
+          </a:p>
+          <a:p>
+            <a:pPr marL="571500" indent="-571500">
+              <a:buFont typeface="Wingdings" panose="05000000000000000000" pitchFamily="2" charset="2"/>
+              <a:buChar char="n"/>
+            </a:pPr>
+            <a:r>
+              <a:rPr lang="en-US" altLang="zh-CN" sz="3600" dirty="0" smtClean="0">
+                <a:solidFill>
+                  <a:srgbClr val="FFC000"/>
+                </a:solidFill>
+                <a:latin typeface="Calibri Light" panose="020F0302020204030204"/>
+                <a:cs typeface="+mj-cs"/>
+              </a:rPr>
+              <a:t>TriggerBuilder </a:t>
+            </a:r>
+            <a:r>
+              <a:rPr lang="en-US" altLang="zh-CN" sz="4400" dirty="0" smtClean="0">
+                <a:solidFill>
+                  <a:srgbClr val="FFC000"/>
+                </a:solidFill>
+                <a:latin typeface="Calibri Light" panose="020F0302020204030204"/>
+                <a:cs typeface="+mj-cs"/>
+              </a:rPr>
+              <a:t>- </a:t>
+            </a:r>
+            <a:r>
+              <a:rPr lang="en-US" altLang="zh-CN" sz="3200" dirty="0" smtClean="0">
+                <a:solidFill>
+                  <a:schemeClr val="tx2"/>
+                </a:solidFill>
+                <a:latin typeface="Calibri Light" panose="020F0302020204030204"/>
+                <a:cs typeface="+mj-cs"/>
+              </a:rPr>
+              <a:t>define/build Trigger instances</a:t>
+            </a:r>
+            <a:r>
+              <a:rPr lang="en-US" altLang="zh-CN" sz="3200" dirty="0" smtClean="0">
+                <a:solidFill>
+                  <a:srgbClr val="FFC000"/>
+                </a:solidFill>
+                <a:latin typeface="Calibri Light" panose="020F0302020204030204"/>
+                <a:cs typeface="+mj-cs"/>
+              </a:rPr>
+              <a:t>.</a:t>
+            </a:r>
           </a:p>
         </p:txBody>
       </p:sp>
     </p:spTree>
     <p:extLst>
       <p:ext uri="{BB962C8B-B14F-4D97-AF65-F5344CB8AC3E}">
-        <p14:creationId xmlns:p14="http://schemas.microsoft.com/office/powerpoint/2010/main" val="4273346858"/>
+        <p14:creationId xmlns:p14="http://schemas.microsoft.com/office/powerpoint/2010/main" val="736873976"/>
       </p:ext>
     </p:extLst>
   </p:cSld>
@@ -5635,8 +6170,8 @@
         </p:nvSpPr>
         <p:spPr>
           <a:xfrm>
-            <a:off x="678850" y="637611"/>
-            <a:ext cx="2808782" cy="646331"/>
+            <a:off x="801680" y="664907"/>
+            <a:ext cx="4728410" cy="646331"/>
           </a:xfrm>
           <a:prstGeom prst="rect">
             <a:avLst/>
@@ -5655,7 +6190,7 @@
                 </a:solidFill>
                 <a:latin typeface="+mj-lt"/>
               </a:rPr>
-              <a:t>Simple Trigger</a:t>
+              <a:t>Configuration properties</a:t>
             </a:r>
             <a:endParaRPr lang="zh-CN" altLang="en-US" sz="3600" dirty="0">
               <a:solidFill>
@@ -5666,10 +6201,162 @@
           </a:p>
         </p:txBody>
       </p:sp>
+      <p:sp>
+        <p:nvSpPr>
+          <p:cNvPr id="3" name="文本框 2"/>
+          <p:cNvSpPr txBox="1"/>
+          <p:nvPr/>
+        </p:nvSpPr>
+        <p:spPr>
+          <a:xfrm>
+            <a:off x="801680" y="1419367"/>
+            <a:ext cx="8769132" cy="369332"/>
+          </a:xfrm>
+          <a:prstGeom prst="rect">
+            <a:avLst/>
+          </a:prstGeom>
+          <a:noFill/>
+        </p:spPr>
+        <p:txBody>
+          <a:bodyPr wrap="none" rtlCol="0">
+            <a:spAutoFit/>
+          </a:bodyPr>
+          <a:lstStyle/>
+          <a:p>
+            <a:r>
+              <a:rPr lang="en-US" altLang="zh-CN" dirty="0">
+                <a:solidFill>
+                  <a:srgbClr val="002060"/>
+                </a:solidFill>
+              </a:rPr>
+              <a:t>P</a:t>
+            </a:r>
+            <a:r>
+              <a:rPr lang="en-US" altLang="zh-CN" dirty="0" smtClean="0">
+                <a:solidFill>
+                  <a:srgbClr val="002060"/>
+                </a:solidFill>
+              </a:rPr>
+              <a:t>riority: custom properties path-&gt;</a:t>
+            </a:r>
+            <a:r>
+              <a:rPr lang="en-US" altLang="zh-CN" dirty="0" err="1" smtClean="0">
+                <a:solidFill>
+                  <a:srgbClr val="002060"/>
+                </a:solidFill>
+              </a:rPr>
+              <a:t>classpth</a:t>
+            </a:r>
+            <a:r>
+              <a:rPr lang="en-US" altLang="zh-CN" dirty="0" smtClean="0">
+                <a:solidFill>
+                  <a:srgbClr val="002060"/>
+                </a:solidFill>
+              </a:rPr>
+              <a:t>/</a:t>
+            </a:r>
+            <a:r>
+              <a:rPr lang="en-US" altLang="zh-CN" dirty="0" err="1" smtClean="0">
+                <a:solidFill>
+                  <a:srgbClr val="002060"/>
+                </a:solidFill>
+              </a:rPr>
+              <a:t>quartz.properties</a:t>
+            </a:r>
+            <a:r>
+              <a:rPr lang="en-US" altLang="zh-CN" dirty="0" smtClean="0">
+                <a:solidFill>
+                  <a:srgbClr val="002060"/>
+                </a:solidFill>
+              </a:rPr>
+              <a:t>-&gt;org/quartz/</a:t>
+            </a:r>
+            <a:r>
+              <a:rPr lang="en-US" altLang="zh-CN" dirty="0" err="1" smtClean="0">
+                <a:solidFill>
+                  <a:srgbClr val="002060"/>
+                </a:solidFill>
+              </a:rPr>
+              <a:t>quartz.properties</a:t>
+            </a:r>
+            <a:endParaRPr lang="zh-CN" altLang="en-US" dirty="0">
+              <a:solidFill>
+                <a:srgbClr val="002060"/>
+              </a:solidFill>
+            </a:endParaRPr>
+          </a:p>
+        </p:txBody>
+      </p:sp>
+      <p:sp>
+        <p:nvSpPr>
+          <p:cNvPr id="4" name="文本框 3"/>
+          <p:cNvSpPr txBox="1"/>
+          <p:nvPr/>
+        </p:nvSpPr>
+        <p:spPr>
+          <a:xfrm>
+            <a:off x="801680" y="2210937"/>
+            <a:ext cx="6683240" cy="369332"/>
+          </a:xfrm>
+          <a:prstGeom prst="rect">
+            <a:avLst/>
+          </a:prstGeom>
+          <a:noFill/>
+        </p:spPr>
+        <p:txBody>
+          <a:bodyPr wrap="none" rtlCol="0">
+            <a:spAutoFit/>
+          </a:bodyPr>
+          <a:lstStyle/>
+          <a:p>
+            <a:r>
+              <a:rPr lang="en-US" altLang="zh-CN" dirty="0"/>
+              <a:t> </a:t>
+            </a:r>
+            <a:r>
+              <a:rPr lang="en-US" altLang="zh-CN" dirty="0" err="1"/>
+              <a:t>System.</a:t>
+            </a:r>
+            <a:r>
+              <a:rPr lang="en-US" altLang="zh-CN" i="1" dirty="0" err="1"/>
+              <a:t>setProperty</a:t>
+            </a:r>
+            <a:r>
+              <a:rPr lang="en-US" altLang="zh-CN" i="1" dirty="0"/>
+              <a:t>("</a:t>
+            </a:r>
+            <a:r>
+              <a:rPr lang="en-US" altLang="zh-CN" i="1" dirty="0" err="1"/>
+              <a:t>org.quartz.properties</a:t>
+            </a:r>
+            <a:r>
+              <a:rPr lang="en-US" altLang="zh-CN" i="1" dirty="0"/>
+              <a:t>", "</a:t>
+            </a:r>
+            <a:r>
+              <a:rPr lang="en-US" altLang="zh-CN" i="1" dirty="0" err="1"/>
+              <a:t>src</a:t>
+            </a:r>
+            <a:r>
+              <a:rPr lang="en-US" altLang="zh-CN" i="1" dirty="0"/>
+              <a:t>/</a:t>
+            </a:r>
+            <a:r>
+              <a:rPr lang="en-US" altLang="zh-CN" i="1" dirty="0" err="1"/>
+              <a:t>quartz.properties</a:t>
+            </a:r>
+            <a:r>
+              <a:rPr lang="en-US" altLang="zh-CN" i="1" dirty="0"/>
+              <a:t>");</a:t>
+            </a:r>
+            <a:endParaRPr lang="zh-CN" altLang="en-US" dirty="0"/>
+          </a:p>
+        </p:txBody>
+      </p:sp>
     </p:spTree>
     <p:extLst>
       <p:ext uri="{BB962C8B-B14F-4D97-AF65-F5344CB8AC3E}">
-        <p14:creationId xmlns:p14="http://schemas.microsoft.com/office/powerpoint/2010/main" val="2364750249"/>
+        <p14:creationId xmlns:p14="http://schemas.microsoft.com/office/powerpoint/2010/main" val="4273346858"/>
       </p:ext>
     </p:extLst>
   </p:cSld>

--- a/src/quartz.pptx
+++ b/src/quartz.pptx
@@ -5,7 +5,7 @@
     <p:sldMasterId id="2147483648" r:id="rId1"/>
   </p:sldMasterIdLst>
   <p:notesMasterIdLst>
-    <p:notesMasterId r:id="rId19"/>
+    <p:notesMasterId r:id="rId21"/>
   </p:notesMasterIdLst>
   <p:sldIdLst>
     <p:sldId id="256" r:id="rId2"/>
@@ -21,10 +21,12 @@
     <p:sldId id="268" r:id="rId12"/>
     <p:sldId id="267" r:id="rId13"/>
     <p:sldId id="269" r:id="rId14"/>
-    <p:sldId id="273" r:id="rId15"/>
-    <p:sldId id="274" r:id="rId16"/>
-    <p:sldId id="275" r:id="rId17"/>
-    <p:sldId id="266" r:id="rId18"/>
+    <p:sldId id="276" r:id="rId15"/>
+    <p:sldId id="277" r:id="rId16"/>
+    <p:sldId id="273" r:id="rId17"/>
+    <p:sldId id="274" r:id="rId18"/>
+    <p:sldId id="275" r:id="rId19"/>
+    <p:sldId id="266" r:id="rId20"/>
   </p:sldIdLst>
   <p:sldSz cx="12192000" cy="6858000"/>
   <p:notesSz cx="6858000" cy="9144000"/>
@@ -213,7 +215,7 @@
           <a:p>
             <a:fld id="{C6622957-D41C-4D4F-846F-91EFB896E5D2}" type="datetimeFigureOut">
               <a:rPr lang="zh-CN" altLang="en-US" smtClean="0"/>
-              <a:t>2016/2/17</a:t>
+              <a:t>2016/2/18</a:t>
             </a:fld>
             <a:endParaRPr lang="zh-CN" altLang="en-US"/>
           </a:p>
@@ -525,10 +527,6 @@
           <a:bodyPr/>
           <a:lstStyle/>
           <a:p>
-            <a:r>
-              <a:rPr lang="zh-CN" altLang="en-US" dirty="0" smtClean="0"/>
-              <a:t>测试结果说明</a:t>
-            </a:r>
             <a:endParaRPr lang="zh-CN" altLang="en-US" dirty="0"/>
           </a:p>
         </p:txBody>
@@ -550,7 +548,7 @@
           <a:p>
             <a:fld id="{72134117-E3A5-4788-95E9-87F3B5B5A229}" type="slidenum">
               <a:rPr lang="zh-CN" altLang="en-US" smtClean="0"/>
-              <a:t>13</a:t>
+              <a:t>12</a:t>
             </a:fld>
             <a:endParaRPr lang="zh-CN" altLang="en-US"/>
           </a:p>
@@ -559,7 +557,7 @@
     </p:spTree>
     <p:extLst>
       <p:ext uri="{BB962C8B-B14F-4D97-AF65-F5344CB8AC3E}">
-        <p14:creationId xmlns:p14="http://schemas.microsoft.com/office/powerpoint/2010/main" val="222190775"/>
+        <p14:creationId xmlns:p14="http://schemas.microsoft.com/office/powerpoint/2010/main" val="2083729394"/>
       </p:ext>
     </p:extLst>
   </p:cSld>
@@ -638,7 +636,7 @@
           <a:p>
             <a:fld id="{72134117-E3A5-4788-95E9-87F3B5B5A229}" type="slidenum">
               <a:rPr lang="zh-CN" altLang="en-US" smtClean="0"/>
-              <a:t>14</a:t>
+              <a:t>13</a:t>
             </a:fld>
             <a:endParaRPr lang="zh-CN" altLang="en-US"/>
           </a:p>
@@ -647,7 +645,7 @@
     </p:spTree>
     <p:extLst>
       <p:ext uri="{BB962C8B-B14F-4D97-AF65-F5344CB8AC3E}">
-        <p14:creationId xmlns:p14="http://schemas.microsoft.com/office/powerpoint/2010/main" val="3368239275"/>
+        <p14:creationId xmlns:p14="http://schemas.microsoft.com/office/powerpoint/2010/main" val="222190775"/>
       </p:ext>
     </p:extLst>
   </p:cSld>
@@ -726,7 +724,7 @@
           <a:p>
             <a:fld id="{72134117-E3A5-4788-95E9-87F3B5B5A229}" type="slidenum">
               <a:rPr lang="zh-CN" altLang="en-US" smtClean="0"/>
-              <a:t>15</a:t>
+              <a:t>14</a:t>
             </a:fld>
             <a:endParaRPr lang="zh-CN" altLang="en-US"/>
           </a:p>
@@ -735,7 +733,7 @@
     </p:spTree>
     <p:extLst>
       <p:ext uri="{BB962C8B-B14F-4D97-AF65-F5344CB8AC3E}">
-        <p14:creationId xmlns:p14="http://schemas.microsoft.com/office/powerpoint/2010/main" val="3754444836"/>
+        <p14:creationId xmlns:p14="http://schemas.microsoft.com/office/powerpoint/2010/main" val="1083567034"/>
       </p:ext>
     </p:extLst>
   </p:cSld>
@@ -814,7 +812,267 @@
           <a:p>
             <a:fld id="{72134117-E3A5-4788-95E9-87F3B5B5A229}" type="slidenum">
               <a:rPr lang="zh-CN" altLang="en-US" smtClean="0"/>
+              <a:t>15</a:t>
+            </a:fld>
+            <a:endParaRPr lang="zh-CN" altLang="en-US"/>
+          </a:p>
+        </p:txBody>
+      </p:sp>
+    </p:spTree>
+    <p:extLst>
+      <p:ext uri="{BB962C8B-B14F-4D97-AF65-F5344CB8AC3E}">
+        <p14:creationId xmlns:p14="http://schemas.microsoft.com/office/powerpoint/2010/main" val="3260101418"/>
+      </p:ext>
+    </p:extLst>
+  </p:cSld>
+  <p:clrMapOvr>
+    <a:masterClrMapping/>
+  </p:clrMapOvr>
+</p:notes>
+</file>
+
+<file path=ppt/notesSlides/notesSlide5.xml><?xml version="1.0" encoding="utf-8"?>
+<p:notes xmlns:a="http://schemas.openxmlformats.org/drawingml/2006/main" xmlns:r="http://schemas.openxmlformats.org/officeDocument/2006/relationships" xmlns:p="http://schemas.openxmlformats.org/presentationml/2006/main">
+  <p:cSld>
+    <p:spTree>
+      <p:nvGrpSpPr>
+        <p:cNvPr id="1" name=""/>
+        <p:cNvGrpSpPr/>
+        <p:nvPr/>
+      </p:nvGrpSpPr>
+      <p:grpSpPr>
+        <a:xfrm>
+          <a:off x="0" y="0"/>
+          <a:ext cx="0" cy="0"/>
+          <a:chOff x="0" y="0"/>
+          <a:chExt cx="0" cy="0"/>
+        </a:xfrm>
+      </p:grpSpPr>
+      <p:sp>
+        <p:nvSpPr>
+          <p:cNvPr id="2" name="幻灯片图像占位符 1"/>
+          <p:cNvSpPr>
+            <a:spLocks noGrp="1" noRot="1" noChangeAspect="1"/>
+          </p:cNvSpPr>
+          <p:nvPr>
+            <p:ph type="sldImg"/>
+          </p:nvPr>
+        </p:nvSpPr>
+        <p:spPr/>
+      </p:sp>
+      <p:sp>
+        <p:nvSpPr>
+          <p:cNvPr id="3" name="备注占位符 2"/>
+          <p:cNvSpPr>
+            <a:spLocks noGrp="1"/>
+          </p:cNvSpPr>
+          <p:nvPr>
+            <p:ph type="body" idx="1"/>
+          </p:nvPr>
+        </p:nvSpPr>
+        <p:spPr/>
+        <p:txBody>
+          <a:bodyPr/>
+          <a:lstStyle/>
+          <a:p>
+            <a:endParaRPr lang="zh-CN" altLang="en-US" dirty="0"/>
+          </a:p>
+        </p:txBody>
+      </p:sp>
+      <p:sp>
+        <p:nvSpPr>
+          <p:cNvPr id="4" name="灯片编号占位符 3"/>
+          <p:cNvSpPr>
+            <a:spLocks noGrp="1"/>
+          </p:cNvSpPr>
+          <p:nvPr>
+            <p:ph type="sldNum" sz="quarter" idx="10"/>
+          </p:nvPr>
+        </p:nvSpPr>
+        <p:spPr/>
+        <p:txBody>
+          <a:bodyPr/>
+          <a:lstStyle/>
+          <a:p>
+            <a:fld id="{72134117-E3A5-4788-95E9-87F3B5B5A229}" type="slidenum">
+              <a:rPr lang="zh-CN" altLang="en-US" smtClean="0"/>
               <a:t>16</a:t>
+            </a:fld>
+            <a:endParaRPr lang="zh-CN" altLang="en-US"/>
+          </a:p>
+        </p:txBody>
+      </p:sp>
+    </p:spTree>
+    <p:extLst>
+      <p:ext uri="{BB962C8B-B14F-4D97-AF65-F5344CB8AC3E}">
+        <p14:creationId xmlns:p14="http://schemas.microsoft.com/office/powerpoint/2010/main" val="3368239275"/>
+      </p:ext>
+    </p:extLst>
+  </p:cSld>
+  <p:clrMapOvr>
+    <a:masterClrMapping/>
+  </p:clrMapOvr>
+</p:notes>
+</file>
+
+<file path=ppt/notesSlides/notesSlide6.xml><?xml version="1.0" encoding="utf-8"?>
+<p:notes xmlns:a="http://schemas.openxmlformats.org/drawingml/2006/main" xmlns:r="http://schemas.openxmlformats.org/officeDocument/2006/relationships" xmlns:p="http://schemas.openxmlformats.org/presentationml/2006/main">
+  <p:cSld>
+    <p:spTree>
+      <p:nvGrpSpPr>
+        <p:cNvPr id="1" name=""/>
+        <p:cNvGrpSpPr/>
+        <p:nvPr/>
+      </p:nvGrpSpPr>
+      <p:grpSpPr>
+        <a:xfrm>
+          <a:off x="0" y="0"/>
+          <a:ext cx="0" cy="0"/>
+          <a:chOff x="0" y="0"/>
+          <a:chExt cx="0" cy="0"/>
+        </a:xfrm>
+      </p:grpSpPr>
+      <p:sp>
+        <p:nvSpPr>
+          <p:cNvPr id="2" name="幻灯片图像占位符 1"/>
+          <p:cNvSpPr>
+            <a:spLocks noGrp="1" noRot="1" noChangeAspect="1"/>
+          </p:cNvSpPr>
+          <p:nvPr>
+            <p:ph type="sldImg"/>
+          </p:nvPr>
+        </p:nvSpPr>
+        <p:spPr/>
+      </p:sp>
+      <p:sp>
+        <p:nvSpPr>
+          <p:cNvPr id="3" name="备注占位符 2"/>
+          <p:cNvSpPr>
+            <a:spLocks noGrp="1"/>
+          </p:cNvSpPr>
+          <p:nvPr>
+            <p:ph type="body" idx="1"/>
+          </p:nvPr>
+        </p:nvSpPr>
+        <p:spPr/>
+        <p:txBody>
+          <a:bodyPr/>
+          <a:lstStyle/>
+          <a:p>
+            <a:r>
+              <a:rPr lang="zh-CN" altLang="en-US" dirty="0" smtClean="0"/>
+              <a:t>测试结果说明</a:t>
+            </a:r>
+            <a:endParaRPr lang="zh-CN" altLang="en-US" dirty="0"/>
+          </a:p>
+        </p:txBody>
+      </p:sp>
+      <p:sp>
+        <p:nvSpPr>
+          <p:cNvPr id="4" name="灯片编号占位符 3"/>
+          <p:cNvSpPr>
+            <a:spLocks noGrp="1"/>
+          </p:cNvSpPr>
+          <p:nvPr>
+            <p:ph type="sldNum" sz="quarter" idx="10"/>
+          </p:nvPr>
+        </p:nvSpPr>
+        <p:spPr/>
+        <p:txBody>
+          <a:bodyPr/>
+          <a:lstStyle/>
+          <a:p>
+            <a:fld id="{72134117-E3A5-4788-95E9-87F3B5B5A229}" type="slidenum">
+              <a:rPr lang="zh-CN" altLang="en-US" smtClean="0"/>
+              <a:t>17</a:t>
+            </a:fld>
+            <a:endParaRPr lang="zh-CN" altLang="en-US"/>
+          </a:p>
+        </p:txBody>
+      </p:sp>
+    </p:spTree>
+    <p:extLst>
+      <p:ext uri="{BB962C8B-B14F-4D97-AF65-F5344CB8AC3E}">
+        <p14:creationId xmlns:p14="http://schemas.microsoft.com/office/powerpoint/2010/main" val="3754444836"/>
+      </p:ext>
+    </p:extLst>
+  </p:cSld>
+  <p:clrMapOvr>
+    <a:masterClrMapping/>
+  </p:clrMapOvr>
+</p:notes>
+</file>
+
+<file path=ppt/notesSlides/notesSlide7.xml><?xml version="1.0" encoding="utf-8"?>
+<p:notes xmlns:a="http://schemas.openxmlformats.org/drawingml/2006/main" xmlns:r="http://schemas.openxmlformats.org/officeDocument/2006/relationships" xmlns:p="http://schemas.openxmlformats.org/presentationml/2006/main">
+  <p:cSld>
+    <p:spTree>
+      <p:nvGrpSpPr>
+        <p:cNvPr id="1" name=""/>
+        <p:cNvGrpSpPr/>
+        <p:nvPr/>
+      </p:nvGrpSpPr>
+      <p:grpSpPr>
+        <a:xfrm>
+          <a:off x="0" y="0"/>
+          <a:ext cx="0" cy="0"/>
+          <a:chOff x="0" y="0"/>
+          <a:chExt cx="0" cy="0"/>
+        </a:xfrm>
+      </p:grpSpPr>
+      <p:sp>
+        <p:nvSpPr>
+          <p:cNvPr id="2" name="幻灯片图像占位符 1"/>
+          <p:cNvSpPr>
+            <a:spLocks noGrp="1" noRot="1" noChangeAspect="1"/>
+          </p:cNvSpPr>
+          <p:nvPr>
+            <p:ph type="sldImg"/>
+          </p:nvPr>
+        </p:nvSpPr>
+        <p:spPr/>
+      </p:sp>
+      <p:sp>
+        <p:nvSpPr>
+          <p:cNvPr id="3" name="备注占位符 2"/>
+          <p:cNvSpPr>
+            <a:spLocks noGrp="1"/>
+          </p:cNvSpPr>
+          <p:nvPr>
+            <p:ph type="body" idx="1"/>
+          </p:nvPr>
+        </p:nvSpPr>
+        <p:spPr/>
+        <p:txBody>
+          <a:bodyPr/>
+          <a:lstStyle/>
+          <a:p>
+            <a:r>
+              <a:rPr lang="zh-CN" altLang="en-US" dirty="0" smtClean="0"/>
+              <a:t>测试结果说明</a:t>
+            </a:r>
+            <a:endParaRPr lang="zh-CN" altLang="en-US" dirty="0"/>
+          </a:p>
+        </p:txBody>
+      </p:sp>
+      <p:sp>
+        <p:nvSpPr>
+          <p:cNvPr id="4" name="灯片编号占位符 3"/>
+          <p:cNvSpPr>
+            <a:spLocks noGrp="1"/>
+          </p:cNvSpPr>
+          <p:nvPr>
+            <p:ph type="sldNum" sz="quarter" idx="10"/>
+          </p:nvPr>
+        </p:nvSpPr>
+        <p:spPr/>
+        <p:txBody>
+          <a:bodyPr/>
+          <a:lstStyle/>
+          <a:p>
+            <a:fld id="{72134117-E3A5-4788-95E9-87F3B5B5A229}" type="slidenum">
+              <a:rPr lang="zh-CN" altLang="en-US" smtClean="0"/>
+              <a:t>18</a:t>
             </a:fld>
             <a:endParaRPr lang="zh-CN" altLang="en-US"/>
           </a:p>
@@ -964,7 +1222,7 @@
           <a:p>
             <a:fld id="{76DC33AF-5FF9-4418-8A99-05DAF6542FA2}" type="datetimeFigureOut">
               <a:rPr lang="zh-CN" altLang="en-US" smtClean="0"/>
-              <a:t>2016/2/17</a:t>
+              <a:t>2016/2/18</a:t>
             </a:fld>
             <a:endParaRPr lang="zh-CN" altLang="en-US"/>
           </a:p>
@@ -1134,7 +1392,7 @@
           <a:p>
             <a:fld id="{76DC33AF-5FF9-4418-8A99-05DAF6542FA2}" type="datetimeFigureOut">
               <a:rPr lang="zh-CN" altLang="en-US" smtClean="0"/>
-              <a:t>2016/2/17</a:t>
+              <a:t>2016/2/18</a:t>
             </a:fld>
             <a:endParaRPr lang="zh-CN" altLang="en-US"/>
           </a:p>
@@ -1314,7 +1572,7 @@
           <a:p>
             <a:fld id="{76DC33AF-5FF9-4418-8A99-05DAF6542FA2}" type="datetimeFigureOut">
               <a:rPr lang="zh-CN" altLang="en-US" smtClean="0"/>
-              <a:t>2016/2/17</a:t>
+              <a:t>2016/2/18</a:t>
             </a:fld>
             <a:endParaRPr lang="zh-CN" altLang="en-US"/>
           </a:p>
@@ -1484,7 +1742,7 @@
           <a:p>
             <a:fld id="{76DC33AF-5FF9-4418-8A99-05DAF6542FA2}" type="datetimeFigureOut">
               <a:rPr lang="zh-CN" altLang="en-US" smtClean="0"/>
-              <a:t>2016/2/17</a:t>
+              <a:t>2016/2/18</a:t>
             </a:fld>
             <a:endParaRPr lang="zh-CN" altLang="en-US"/>
           </a:p>
@@ -1730,7 +1988,7 @@
           <a:p>
             <a:fld id="{76DC33AF-5FF9-4418-8A99-05DAF6542FA2}" type="datetimeFigureOut">
               <a:rPr lang="zh-CN" altLang="en-US" smtClean="0"/>
-              <a:t>2016/2/17</a:t>
+              <a:t>2016/2/18</a:t>
             </a:fld>
             <a:endParaRPr lang="zh-CN" altLang="en-US"/>
           </a:p>
@@ -1962,7 +2220,7 @@
           <a:p>
             <a:fld id="{76DC33AF-5FF9-4418-8A99-05DAF6542FA2}" type="datetimeFigureOut">
               <a:rPr lang="zh-CN" altLang="en-US" smtClean="0"/>
-              <a:t>2016/2/17</a:t>
+              <a:t>2016/2/18</a:t>
             </a:fld>
             <a:endParaRPr lang="zh-CN" altLang="en-US"/>
           </a:p>
@@ -2329,7 +2587,7 @@
           <a:p>
             <a:fld id="{76DC33AF-5FF9-4418-8A99-05DAF6542FA2}" type="datetimeFigureOut">
               <a:rPr lang="zh-CN" altLang="en-US" smtClean="0"/>
-              <a:t>2016/2/17</a:t>
+              <a:t>2016/2/18</a:t>
             </a:fld>
             <a:endParaRPr lang="zh-CN" altLang="en-US"/>
           </a:p>
@@ -2447,7 +2705,7 @@
           <a:p>
             <a:fld id="{76DC33AF-5FF9-4418-8A99-05DAF6542FA2}" type="datetimeFigureOut">
               <a:rPr lang="zh-CN" altLang="en-US" smtClean="0"/>
-              <a:t>2016/2/17</a:t>
+              <a:t>2016/2/18</a:t>
             </a:fld>
             <a:endParaRPr lang="zh-CN" altLang="en-US"/>
           </a:p>
@@ -2542,7 +2800,7 @@
           <a:p>
             <a:fld id="{76DC33AF-5FF9-4418-8A99-05DAF6542FA2}" type="datetimeFigureOut">
               <a:rPr lang="zh-CN" altLang="en-US" smtClean="0"/>
-              <a:t>2016/2/17</a:t>
+              <a:t>2016/2/18</a:t>
             </a:fld>
             <a:endParaRPr lang="zh-CN" altLang="en-US"/>
           </a:p>
@@ -2819,7 +3077,7 @@
           <a:p>
             <a:fld id="{76DC33AF-5FF9-4418-8A99-05DAF6542FA2}" type="datetimeFigureOut">
               <a:rPr lang="zh-CN" altLang="en-US" smtClean="0"/>
-              <a:t>2016/2/17</a:t>
+              <a:t>2016/2/18</a:t>
             </a:fld>
             <a:endParaRPr lang="zh-CN" altLang="en-US"/>
           </a:p>
@@ -3072,7 +3330,7 @@
           <a:p>
             <a:fld id="{76DC33AF-5FF9-4418-8A99-05DAF6542FA2}" type="datetimeFigureOut">
               <a:rPr lang="zh-CN" altLang="en-US" smtClean="0"/>
-              <a:t>2016/2/17</a:t>
+              <a:t>2016/2/18</a:t>
             </a:fld>
             <a:endParaRPr lang="zh-CN" altLang="en-US"/>
           </a:p>
@@ -3285,7 +3543,7 @@
           <a:p>
             <a:fld id="{76DC33AF-5FF9-4418-8A99-05DAF6542FA2}" type="datetimeFigureOut">
               <a:rPr lang="zh-CN" altLang="en-US" smtClean="0"/>
-              <a:t>2016/2/17</a:t>
+              <a:t>2016/2/18</a:t>
             </a:fld>
             <a:endParaRPr lang="zh-CN" altLang="en-US"/>
           </a:p>
@@ -3931,6 +4189,30 @@
           </a:p>
         </p:txBody>
       </p:sp>
+      <p:pic>
+        <p:nvPicPr>
+          <p:cNvPr id="7" name="图片 6"/>
+          <p:cNvPicPr>
+            <a:picLocks noChangeAspect="1"/>
+          </p:cNvPicPr>
+          <p:nvPr/>
+        </p:nvPicPr>
+        <p:blipFill>
+          <a:blip r:embed="rId3"/>
+          <a:stretch>
+            <a:fillRect/>
+          </a:stretch>
+        </p:blipFill>
+        <p:spPr>
+          <a:xfrm>
+            <a:off x="678850" y="2113434"/>
+            <a:ext cx="10472141" cy="2357513"/>
+          </a:xfrm>
+          <a:prstGeom prst="rect">
+            <a:avLst/>
+          </a:prstGeom>
+        </p:spPr>
+      </p:pic>
     </p:spTree>
     <p:extLst>
       <p:ext uri="{BB962C8B-B14F-4D97-AF65-F5344CB8AC3E}">
@@ -4045,8 +4327,8 @@
         </p:nvSpPr>
         <p:spPr>
           <a:xfrm>
-            <a:off x="1390877" y="2999611"/>
-            <a:ext cx="7548406" cy="3108543"/>
+            <a:off x="2738726" y="2494644"/>
+            <a:ext cx="4279339" cy="3108543"/>
           </a:xfrm>
           <a:prstGeom prst="rect">
             <a:avLst/>
@@ -4129,6 +4411,352 @@
             <a:endParaRPr lang="zh-CN" altLang="en-US" sz="2800" dirty="0">
               <a:solidFill>
                 <a:srgbClr val="FFC000"/>
+              </a:solidFill>
+            </a:endParaRPr>
+          </a:p>
+        </p:txBody>
+      </p:sp>
+      <p:sp>
+        <p:nvSpPr>
+          <p:cNvPr id="4" name="矩形 3"/>
+          <p:cNvSpPr/>
+          <p:nvPr/>
+        </p:nvSpPr>
+        <p:spPr>
+          <a:xfrm>
+            <a:off x="1802849" y="1760561"/>
+            <a:ext cx="694692" cy="436728"/>
+          </a:xfrm>
+          <a:prstGeom prst="rect">
+            <a:avLst/>
+          </a:prstGeom>
+        </p:spPr>
+        <p:style>
+          <a:lnRef idx="2">
+            <a:schemeClr val="accent1">
+              <a:shade val="50000"/>
+            </a:schemeClr>
+          </a:lnRef>
+          <a:fillRef idx="1">
+            <a:schemeClr val="accent1"/>
+          </a:fillRef>
+          <a:effectRef idx="0">
+            <a:schemeClr val="accent1"/>
+          </a:effectRef>
+          <a:fontRef idx="minor">
+            <a:schemeClr val="lt1"/>
+          </a:fontRef>
+        </p:style>
+        <p:txBody>
+          <a:bodyPr rtlCol="0" anchor="ctr"/>
+          <a:lstStyle/>
+          <a:p>
+            <a:pPr algn="ctr"/>
+            <a:r>
+              <a:rPr lang="en-US" altLang="zh-CN" dirty="0" smtClean="0"/>
+              <a:t>1</a:t>
+            </a:r>
+            <a:endParaRPr lang="zh-CN" altLang="en-US" dirty="0"/>
+          </a:p>
+        </p:txBody>
+      </p:sp>
+      <p:sp>
+        <p:nvSpPr>
+          <p:cNvPr id="6" name="矩形 5"/>
+          <p:cNvSpPr/>
+          <p:nvPr/>
+        </p:nvSpPr>
+        <p:spPr>
+          <a:xfrm>
+            <a:off x="2759795" y="1760561"/>
+            <a:ext cx="694692" cy="436728"/>
+          </a:xfrm>
+          <a:prstGeom prst="rect">
+            <a:avLst/>
+          </a:prstGeom>
+        </p:spPr>
+        <p:style>
+          <a:lnRef idx="2">
+            <a:schemeClr val="accent1">
+              <a:shade val="50000"/>
+            </a:schemeClr>
+          </a:lnRef>
+          <a:fillRef idx="1">
+            <a:schemeClr val="accent1"/>
+          </a:fillRef>
+          <a:effectRef idx="0">
+            <a:schemeClr val="accent1"/>
+          </a:effectRef>
+          <a:fontRef idx="minor">
+            <a:schemeClr val="lt1"/>
+          </a:fontRef>
+        </p:style>
+        <p:txBody>
+          <a:bodyPr rtlCol="0" anchor="ctr"/>
+          <a:lstStyle/>
+          <a:p>
+            <a:pPr algn="ctr"/>
+            <a:r>
+              <a:rPr lang="en-US" altLang="zh-CN" dirty="0" smtClean="0"/>
+              <a:t>2</a:t>
+            </a:r>
+            <a:endParaRPr lang="zh-CN" altLang="en-US" dirty="0"/>
+          </a:p>
+        </p:txBody>
+      </p:sp>
+      <p:sp>
+        <p:nvSpPr>
+          <p:cNvPr id="8" name="矩形 7"/>
+          <p:cNvSpPr/>
+          <p:nvPr/>
+        </p:nvSpPr>
+        <p:spPr>
+          <a:xfrm>
+            <a:off x="6581581" y="1760561"/>
+            <a:ext cx="694692" cy="436728"/>
+          </a:xfrm>
+          <a:prstGeom prst="rect">
+            <a:avLst/>
+          </a:prstGeom>
+        </p:spPr>
+        <p:style>
+          <a:lnRef idx="2">
+            <a:schemeClr val="accent1">
+              <a:shade val="50000"/>
+            </a:schemeClr>
+          </a:lnRef>
+          <a:fillRef idx="1">
+            <a:schemeClr val="accent1"/>
+          </a:fillRef>
+          <a:effectRef idx="0">
+            <a:schemeClr val="accent1"/>
+          </a:effectRef>
+          <a:fontRef idx="minor">
+            <a:schemeClr val="lt1"/>
+          </a:fontRef>
+        </p:style>
+        <p:txBody>
+          <a:bodyPr rtlCol="0" anchor="ctr"/>
+          <a:lstStyle/>
+          <a:p>
+            <a:pPr algn="ctr"/>
+            <a:r>
+              <a:rPr lang="en-US" altLang="zh-CN" dirty="0" smtClean="0"/>
+              <a:t>6</a:t>
+            </a:r>
+            <a:endParaRPr lang="zh-CN" altLang="en-US" dirty="0"/>
+          </a:p>
+        </p:txBody>
+      </p:sp>
+      <p:sp>
+        <p:nvSpPr>
+          <p:cNvPr id="9" name="矩形 8"/>
+          <p:cNvSpPr/>
+          <p:nvPr/>
+        </p:nvSpPr>
+        <p:spPr>
+          <a:xfrm>
+            <a:off x="5634664" y="1760561"/>
+            <a:ext cx="694692" cy="436728"/>
+          </a:xfrm>
+          <a:prstGeom prst="rect">
+            <a:avLst/>
+          </a:prstGeom>
+        </p:spPr>
+        <p:style>
+          <a:lnRef idx="2">
+            <a:schemeClr val="accent1">
+              <a:shade val="50000"/>
+            </a:schemeClr>
+          </a:lnRef>
+          <a:fillRef idx="1">
+            <a:schemeClr val="accent1"/>
+          </a:fillRef>
+          <a:effectRef idx="0">
+            <a:schemeClr val="accent1"/>
+          </a:effectRef>
+          <a:fontRef idx="minor">
+            <a:schemeClr val="lt1"/>
+          </a:fontRef>
+        </p:style>
+        <p:txBody>
+          <a:bodyPr rtlCol="0" anchor="ctr"/>
+          <a:lstStyle/>
+          <a:p>
+            <a:pPr algn="ctr"/>
+            <a:r>
+              <a:rPr lang="en-US" altLang="zh-CN" dirty="0" smtClean="0"/>
+              <a:t>5</a:t>
+            </a:r>
+            <a:endParaRPr lang="zh-CN" altLang="en-US" dirty="0"/>
+          </a:p>
+        </p:txBody>
+      </p:sp>
+      <p:sp>
+        <p:nvSpPr>
+          <p:cNvPr id="10" name="矩形 9"/>
+          <p:cNvSpPr/>
+          <p:nvPr/>
+        </p:nvSpPr>
+        <p:spPr>
+          <a:xfrm>
+            <a:off x="4673687" y="1760561"/>
+            <a:ext cx="694692" cy="436728"/>
+          </a:xfrm>
+          <a:prstGeom prst="rect">
+            <a:avLst/>
+          </a:prstGeom>
+        </p:spPr>
+        <p:style>
+          <a:lnRef idx="2">
+            <a:schemeClr val="accent1">
+              <a:shade val="50000"/>
+            </a:schemeClr>
+          </a:lnRef>
+          <a:fillRef idx="1">
+            <a:schemeClr val="accent1"/>
+          </a:fillRef>
+          <a:effectRef idx="0">
+            <a:schemeClr val="accent1"/>
+          </a:effectRef>
+          <a:fontRef idx="minor">
+            <a:schemeClr val="lt1"/>
+          </a:fontRef>
+        </p:style>
+        <p:txBody>
+          <a:bodyPr rtlCol="0" anchor="ctr"/>
+          <a:lstStyle/>
+          <a:p>
+            <a:pPr algn="ctr"/>
+            <a:r>
+              <a:rPr lang="en-US" altLang="zh-CN" dirty="0" smtClean="0"/>
+              <a:t>4</a:t>
+            </a:r>
+            <a:endParaRPr lang="zh-CN" altLang="en-US" dirty="0"/>
+          </a:p>
+        </p:txBody>
+      </p:sp>
+      <p:sp>
+        <p:nvSpPr>
+          <p:cNvPr id="11" name="矩形 10"/>
+          <p:cNvSpPr/>
+          <p:nvPr/>
+        </p:nvSpPr>
+        <p:spPr>
+          <a:xfrm>
+            <a:off x="3716741" y="1760561"/>
+            <a:ext cx="694692" cy="436728"/>
+          </a:xfrm>
+          <a:prstGeom prst="rect">
+            <a:avLst/>
+          </a:prstGeom>
+        </p:spPr>
+        <p:style>
+          <a:lnRef idx="2">
+            <a:schemeClr val="accent1">
+              <a:shade val="50000"/>
+            </a:schemeClr>
+          </a:lnRef>
+          <a:fillRef idx="1">
+            <a:schemeClr val="accent1"/>
+          </a:fillRef>
+          <a:effectRef idx="0">
+            <a:schemeClr val="accent1"/>
+          </a:effectRef>
+          <a:fontRef idx="minor">
+            <a:schemeClr val="lt1"/>
+          </a:fontRef>
+        </p:style>
+        <p:txBody>
+          <a:bodyPr rtlCol="0" anchor="ctr"/>
+          <a:lstStyle/>
+          <a:p>
+            <a:pPr algn="ctr"/>
+            <a:r>
+              <a:rPr lang="en-US" altLang="zh-CN" dirty="0" smtClean="0"/>
+              <a:t>3</a:t>
+            </a:r>
+            <a:endParaRPr lang="zh-CN" altLang="en-US" dirty="0"/>
+          </a:p>
+        </p:txBody>
+      </p:sp>
+      <p:sp>
+        <p:nvSpPr>
+          <p:cNvPr id="12" name="矩形 11"/>
+          <p:cNvSpPr/>
+          <p:nvPr/>
+        </p:nvSpPr>
+        <p:spPr>
+          <a:xfrm>
+            <a:off x="7548556" y="1767385"/>
+            <a:ext cx="694692" cy="436728"/>
+          </a:xfrm>
+          <a:prstGeom prst="rect">
+            <a:avLst/>
+          </a:prstGeom>
+        </p:spPr>
+        <p:style>
+          <a:lnRef idx="2">
+            <a:schemeClr val="accent1">
+              <a:shade val="50000"/>
+            </a:schemeClr>
+          </a:lnRef>
+          <a:fillRef idx="1">
+            <a:schemeClr val="accent1"/>
+          </a:fillRef>
+          <a:effectRef idx="0">
+            <a:schemeClr val="accent1"/>
+          </a:effectRef>
+          <a:fontRef idx="minor">
+            <a:schemeClr val="lt1"/>
+          </a:fontRef>
+        </p:style>
+        <p:txBody>
+          <a:bodyPr rtlCol="0" anchor="ctr"/>
+          <a:lstStyle/>
+          <a:p>
+            <a:pPr algn="ctr"/>
+            <a:r>
+              <a:rPr lang="en-US" altLang="zh-CN" dirty="0" smtClean="0"/>
+              <a:t>7</a:t>
+            </a:r>
+            <a:endParaRPr lang="zh-CN" altLang="en-US" dirty="0"/>
+          </a:p>
+        </p:txBody>
+      </p:sp>
+      <p:sp>
+        <p:nvSpPr>
+          <p:cNvPr id="13" name="文本框 12"/>
+          <p:cNvSpPr txBox="1"/>
+          <p:nvPr/>
+        </p:nvSpPr>
+        <p:spPr>
+          <a:xfrm>
+            <a:off x="7548556" y="3081498"/>
+            <a:ext cx="2965877" cy="461665"/>
+          </a:xfrm>
+          <a:prstGeom prst="rect">
+            <a:avLst/>
+          </a:prstGeom>
+          <a:noFill/>
+        </p:spPr>
+        <p:txBody>
+          <a:bodyPr wrap="none" rtlCol="0">
+            <a:spAutoFit/>
+          </a:bodyPr>
+          <a:lstStyle/>
+          <a:p>
+            <a:r>
+              <a:rPr lang="en-US" altLang="zh-CN" sz="2400" dirty="0" smtClean="0">
+                <a:solidFill>
+                  <a:srgbClr val="002060"/>
+                </a:solidFill>
+              </a:rPr>
+              <a:t>/    *    ?    #    ,    L   , W</a:t>
+            </a:r>
+            <a:endParaRPr lang="zh-CN" altLang="en-US" sz="2400" dirty="0">
+              <a:solidFill>
+                <a:srgbClr val="002060"/>
               </a:solidFill>
             </a:endParaRPr>
           </a:p>
@@ -4180,7 +4808,7 @@
           <p:nvPr/>
         </p:nvPicPr>
         <p:blipFill>
-          <a:blip r:embed="rId2">
+          <a:blip r:embed="rId3">
             <a:extLst>
               <a:ext uri="{28A0092B-C50C-407E-A947-70E740481C1C}">
                 <a14:useLocalDpi xmlns:a14="http://schemas.microsoft.com/office/drawing/2010/main" val="0"/>
@@ -4242,21 +4870,21 @@
       </p:sp>
       <p:sp>
         <p:nvSpPr>
-          <p:cNvPr id="3" name="矩形 2"/>
+          <p:cNvPr id="4" name="矩形 3"/>
           <p:cNvSpPr/>
           <p:nvPr/>
         </p:nvSpPr>
         <p:spPr>
           <a:xfrm>
-            <a:off x="2001153" y="2056979"/>
-            <a:ext cx="2966632" cy="523220"/>
+            <a:off x="2001153" y="2101657"/>
+            <a:ext cx="2169184" cy="523220"/>
           </a:xfrm>
           <a:prstGeom prst="rect">
             <a:avLst/>
           </a:prstGeom>
         </p:spPr>
         <p:txBody>
-          <a:bodyPr wrap="square">
+          <a:bodyPr wrap="none">
             <a:spAutoFit/>
           </a:bodyPr>
           <a:lstStyle/>
@@ -4267,7 +4895,7 @@
                   <a:srgbClr val="002060"/>
                 </a:solidFill>
               </a:rPr>
-              <a:t>0 0/5 * * * ?</a:t>
+              <a:t>10 0/5 * * * ?</a:t>
             </a:r>
             <a:endParaRPr lang="zh-CN" altLang="en-US" sz="2800" dirty="0">
               <a:solidFill>
@@ -4279,14 +4907,14 @@
       </p:sp>
       <p:sp>
         <p:nvSpPr>
-          <p:cNvPr id="4" name="矩形 3"/>
+          <p:cNvPr id="6" name="矩形 5"/>
           <p:cNvSpPr/>
           <p:nvPr/>
         </p:nvSpPr>
         <p:spPr>
           <a:xfrm>
-            <a:off x="2001153" y="2830016"/>
-            <a:ext cx="2169184" cy="523220"/>
+            <a:off x="2001153" y="2850935"/>
+            <a:ext cx="3575018" cy="523220"/>
           </a:xfrm>
           <a:prstGeom prst="rect">
             <a:avLst/>
@@ -4304,7 +4932,7 @@
                   <a:srgbClr val="002060"/>
                 </a:solidFill>
               </a:rPr>
-              <a:t>10 0/5 * * * ?</a:t>
+              <a:t>0 30 10-13 ? * WED,FRI</a:t>
             </a:r>
             <a:endParaRPr lang="zh-CN" altLang="en-US" sz="2800" dirty="0">
               <a:solidFill>
@@ -4316,14 +4944,14 @@
       </p:sp>
       <p:sp>
         <p:nvSpPr>
-          <p:cNvPr id="6" name="矩形 5"/>
+          <p:cNvPr id="8" name="矩形 7"/>
           <p:cNvSpPr/>
           <p:nvPr/>
         </p:nvSpPr>
         <p:spPr>
           <a:xfrm>
-            <a:off x="2001153" y="3603053"/>
-            <a:ext cx="3575018" cy="523220"/>
+            <a:off x="1976095" y="4417928"/>
+            <a:ext cx="2398413" cy="523220"/>
           </a:xfrm>
           <a:prstGeom prst="rect">
             <a:avLst/>
@@ -4336,12 +4964,12 @@
           <a:lstStyle/>
           <a:p>
             <a:r>
-              <a:rPr lang="en-US" altLang="zh-CN" sz="2800" dirty="0" smtClean="0">
+              <a:rPr lang="en-US" altLang="zh-CN" sz="2800" dirty="0">
                 <a:solidFill>
                   <a:srgbClr val="002060"/>
                 </a:solidFill>
               </a:rPr>
-              <a:t>0 30 10-13 ? * WED,FRI</a:t>
+              <a:t>0 15 10 ? * 6#3</a:t>
             </a:r>
             <a:endParaRPr lang="zh-CN" altLang="en-US" sz="2800" dirty="0">
               <a:solidFill>
@@ -4353,14 +4981,14 @@
       </p:sp>
       <p:sp>
         <p:nvSpPr>
-          <p:cNvPr id="7" name="矩形 6"/>
+          <p:cNvPr id="9" name="矩形 8"/>
           <p:cNvSpPr/>
           <p:nvPr/>
         </p:nvSpPr>
         <p:spPr>
           <a:xfrm>
-            <a:off x="2001153" y="4376090"/>
-            <a:ext cx="2924198" cy="523220"/>
+            <a:off x="2001153" y="1413413"/>
+            <a:ext cx="2404826" cy="523220"/>
           </a:xfrm>
           <a:prstGeom prst="rect">
             <a:avLst/>
@@ -4373,12 +5001,49 @@
           <a:lstStyle/>
           <a:p>
             <a:r>
-              <a:rPr lang="en-US" altLang="zh-CN" sz="2800" dirty="0" smtClean="0">
+              <a:rPr lang="en-US" altLang="zh-CN" sz="2800" dirty="0">
                 <a:solidFill>
                   <a:srgbClr val="002060"/>
                 </a:solidFill>
               </a:rPr>
-              <a:t>0 0/30 8-9 5,20 * ?</a:t>
+              <a:t>0 11 11 11 11 ?</a:t>
+            </a:r>
+            <a:endParaRPr lang="zh-CN" altLang="en-US" sz="2800" dirty="0">
+              <a:solidFill>
+                <a:srgbClr val="002060"/>
+              </a:solidFill>
+            </a:endParaRPr>
+          </a:p>
+        </p:txBody>
+      </p:sp>
+      <p:sp>
+        <p:nvSpPr>
+          <p:cNvPr id="10" name="矩形 9"/>
+          <p:cNvSpPr/>
+          <p:nvPr/>
+        </p:nvSpPr>
+        <p:spPr>
+          <a:xfrm>
+            <a:off x="2001153" y="3653457"/>
+            <a:ext cx="2004075" cy="523220"/>
+          </a:xfrm>
+          <a:prstGeom prst="rect">
+            <a:avLst/>
+          </a:prstGeom>
+        </p:spPr>
+        <p:txBody>
+          <a:bodyPr wrap="none">
+            <a:spAutoFit/>
+          </a:bodyPr>
+          <a:lstStyle/>
+          <a:p>
+            <a:r>
+              <a:rPr lang="en-US" altLang="zh-CN" sz="2800" dirty="0">
+                <a:solidFill>
+                  <a:srgbClr val="002060"/>
+                </a:solidFill>
+              </a:rPr>
+              <a:t>0 15 10 L * ?</a:t>
             </a:r>
             <a:endParaRPr lang="zh-CN" altLang="en-US" sz="2800" dirty="0">
               <a:solidFill>
@@ -4494,6 +5159,30 @@
           </a:p>
         </p:txBody>
       </p:sp>
+      <p:pic>
+        <p:nvPicPr>
+          <p:cNvPr id="4" name="图片 3"/>
+          <p:cNvPicPr>
+            <a:picLocks noChangeAspect="1"/>
+          </p:cNvPicPr>
+          <p:nvPr/>
+        </p:nvPicPr>
+        <p:blipFill>
+          <a:blip r:embed="rId4"/>
+          <a:stretch>
+            <a:fillRect/>
+          </a:stretch>
+        </p:blipFill>
+        <p:spPr>
+          <a:xfrm>
+            <a:off x="851706" y="1589808"/>
+            <a:ext cx="9467850" cy="2390775"/>
+          </a:xfrm>
+          <a:prstGeom prst="rect">
+            <a:avLst/>
+          </a:prstGeom>
+        </p:spPr>
+      </p:pic>
     </p:spTree>
     <p:extLst>
       <p:ext uri="{BB962C8B-B14F-4D97-AF65-F5344CB8AC3E}">
@@ -4561,45 +5250,6 @@
           </a:prstGeom>
         </p:spPr>
       </p:pic>
-      <p:sp>
-        <p:nvSpPr>
-          <p:cNvPr id="2" name="矩形 1"/>
-          <p:cNvSpPr/>
-          <p:nvPr/>
-        </p:nvSpPr>
-        <p:spPr>
-          <a:xfrm>
-            <a:off x="678850" y="637611"/>
-            <a:ext cx="2385077" cy="646331"/>
-          </a:xfrm>
-          <a:prstGeom prst="rect">
-            <a:avLst/>
-          </a:prstGeom>
-        </p:spPr>
-        <p:txBody>
-          <a:bodyPr wrap="none">
-            <a:spAutoFit/>
-          </a:bodyPr>
-          <a:lstStyle/>
-          <a:p>
-            <a:r>
-              <a:rPr lang="en-US" altLang="zh-CN" sz="3600" dirty="0" smtClean="0">
-                <a:solidFill>
-                  <a:srgbClr val="FFC000"/>
-                </a:solidFill>
-                <a:latin typeface="+mj-lt"/>
-              </a:rPr>
-              <a:t>Job Listener</a:t>
-            </a:r>
-            <a:endParaRPr lang="zh-CN" altLang="en-US" sz="3600" dirty="0">
-              <a:solidFill>
-                <a:srgbClr val="FFC000"/>
-              </a:solidFill>
-              <a:latin typeface="+mj-lt"/>
-            </a:endParaRPr>
-          </a:p>
-        </p:txBody>
-      </p:sp>
       <p:pic>
         <p:nvPicPr>
           <p:cNvPr id="3" name="图片 2"/>
@@ -4608,26 +5258,64 @@
           </p:cNvPicPr>
           <p:nvPr/>
         </p:nvPicPr>
-        <p:blipFill>
+        <p:blipFill rotWithShape="1">
           <a:blip r:embed="rId4"/>
-          <a:stretch>
-            <a:fillRect/>
-          </a:stretch>
+          <a:srcRect r="19658"/>
+          <a:stretch/>
         </p:blipFill>
         <p:spPr>
           <a:xfrm>
-            <a:off x="2480355" y="1167957"/>
-            <a:ext cx="6200775" cy="5219700"/>
+            <a:off x="1309253" y="1273580"/>
+            <a:ext cx="7998521" cy="5584420"/>
           </a:xfrm>
           <a:prstGeom prst="rect">
             <a:avLst/>
           </a:prstGeom>
         </p:spPr>
       </p:pic>
+      <p:sp>
+        <p:nvSpPr>
+          <p:cNvPr id="6" name="矩形 5"/>
+          <p:cNvSpPr/>
+          <p:nvPr/>
+        </p:nvSpPr>
+        <p:spPr>
+          <a:xfrm>
+            <a:off x="678850" y="637611"/>
+            <a:ext cx="3760132" cy="646331"/>
+          </a:xfrm>
+          <a:prstGeom prst="rect">
+            <a:avLst/>
+          </a:prstGeom>
+        </p:spPr>
+        <p:txBody>
+          <a:bodyPr wrap="none">
+            <a:spAutoFit/>
+          </a:bodyPr>
+          <a:lstStyle/>
+          <a:p>
+            <a:r>
+              <a:rPr lang="en-US" altLang="zh-CN" sz="3600" dirty="0" smtClean="0">
+                <a:solidFill>
+                  <a:srgbClr val="FFC000"/>
+                </a:solidFill>
+                <a:latin typeface="+mj-lt"/>
+              </a:rPr>
+              <a:t>Misfire Instructions</a:t>
+            </a:r>
+            <a:endParaRPr lang="zh-CN" altLang="en-US" sz="3600" dirty="0">
+              <a:solidFill>
+                <a:srgbClr val="FFC000"/>
+              </a:solidFill>
+              <a:latin typeface="+mj-lt"/>
+            </a:endParaRPr>
+          </a:p>
+        </p:txBody>
+      </p:sp>
     </p:spTree>
     <p:extLst>
       <p:ext uri="{BB962C8B-B14F-4D97-AF65-F5344CB8AC3E}">
-        <p14:creationId xmlns:p14="http://schemas.microsoft.com/office/powerpoint/2010/main" val="113179544"/>
+        <p14:creationId xmlns:p14="http://schemas.microsoft.com/office/powerpoint/2010/main" val="4283612700"/>
       </p:ext>
     </p:extLst>
   </p:cSld>
@@ -4693,14 +5381,14 @@
       </p:pic>
       <p:sp>
         <p:nvSpPr>
-          <p:cNvPr id="2" name="矩形 1"/>
+          <p:cNvPr id="6" name="矩形 5"/>
           <p:cNvSpPr/>
           <p:nvPr/>
         </p:nvSpPr>
         <p:spPr>
           <a:xfrm>
             <a:off x="678850" y="637611"/>
-            <a:ext cx="3032690" cy="646331"/>
+            <a:ext cx="3760132" cy="646331"/>
           </a:xfrm>
           <a:prstGeom prst="rect">
             <a:avLst/>
@@ -4719,7 +5407,7 @@
                 </a:solidFill>
                 <a:latin typeface="+mj-lt"/>
               </a:rPr>
-              <a:t>Trigger Listener</a:t>
+              <a:t>Misfire Instructions</a:t>
             </a:r>
             <a:endParaRPr lang="zh-CN" altLang="en-US" sz="3600" dirty="0">
               <a:solidFill>
@@ -4730,10 +5418,110 @@
           </a:p>
         </p:txBody>
       </p:sp>
+      <p:sp>
+        <p:nvSpPr>
+          <p:cNvPr id="3" name="矩形 2"/>
+          <p:cNvSpPr/>
+          <p:nvPr/>
+        </p:nvSpPr>
+        <p:spPr>
+          <a:xfrm>
+            <a:off x="777923" y="1506520"/>
+            <a:ext cx="8147713" cy="1754326"/>
+          </a:xfrm>
+          <a:prstGeom prst="rect">
+            <a:avLst/>
+          </a:prstGeom>
+        </p:spPr>
+        <p:txBody>
+          <a:bodyPr wrap="square">
+            <a:spAutoFit/>
+          </a:bodyPr>
+          <a:lstStyle/>
+          <a:p>
+            <a:r>
+              <a:rPr lang="en-US" altLang="zh-CN" dirty="0"/>
+              <a:t>MISFIRE_INSTRUCTION_IGNORE_MISFIRE_POLICY</a:t>
+            </a:r>
+          </a:p>
+          <a:p>
+            <a:r>
+              <a:rPr lang="en-US" altLang="zh-CN" dirty="0"/>
+              <a:t>MISFIRE_INSTRUCTION_FIRE_NOW</a:t>
+            </a:r>
+          </a:p>
+          <a:p>
+            <a:r>
+              <a:rPr lang="en-US" altLang="zh-CN" dirty="0"/>
+              <a:t>MISFIRE_INSTRUCTION_RESCHEDULE_NOW_WITH_EXISTING_REPEAT_COUNT</a:t>
+            </a:r>
+          </a:p>
+          <a:p>
+            <a:r>
+              <a:rPr lang="en-US" altLang="zh-CN" dirty="0"/>
+              <a:t>MISFIRE_INSTRUCTION_RESCHEDULE_NOW_WITH_REMAINING_REPEAT_COUNT</a:t>
+            </a:r>
+          </a:p>
+          <a:p>
+            <a:r>
+              <a:rPr lang="en-US" altLang="zh-CN" dirty="0"/>
+              <a:t>MISFIRE_INSTRUCTION_RESCHEDULE_NEXT_WITH_REMAINING_COUNT</a:t>
+            </a:r>
+          </a:p>
+          <a:p>
+            <a:r>
+              <a:rPr lang="en-US" altLang="zh-CN" dirty="0"/>
+              <a:t>MISFIRE_INSTRUCTION_RESCHEDULE_NEXT_WITH_EXISTING_COUNT</a:t>
+            </a:r>
+            <a:endParaRPr lang="zh-CN" altLang="en-US" dirty="0"/>
+          </a:p>
+        </p:txBody>
+      </p:sp>
+      <p:sp>
+        <p:nvSpPr>
+          <p:cNvPr id="7" name="矩形 6"/>
+          <p:cNvSpPr/>
+          <p:nvPr/>
+        </p:nvSpPr>
+        <p:spPr>
+          <a:xfrm>
+            <a:off x="777923" y="4086451"/>
+            <a:ext cx="8246786" cy="923330"/>
+          </a:xfrm>
+          <a:prstGeom prst="rect">
+            <a:avLst/>
+          </a:prstGeom>
+        </p:spPr>
+        <p:txBody>
+          <a:bodyPr wrap="square">
+            <a:spAutoFit/>
+          </a:bodyPr>
+          <a:lstStyle/>
+          <a:p>
+            <a:r>
+              <a:rPr lang="en-US" altLang="zh-CN" dirty="0"/>
+              <a:t>MISFIRE_INSTRUCTION_IGNORE_MISFIRE_POLICY</a:t>
+            </a:r>
+          </a:p>
+          <a:p>
+            <a:r>
+              <a:rPr lang="en-US" altLang="zh-CN" dirty="0"/>
+              <a:t>MISFIRE_INSTRUCTION_DO_NOTHING</a:t>
+            </a:r>
+          </a:p>
+          <a:p>
+            <a:r>
+              <a:rPr lang="en-US" altLang="zh-CN" dirty="0"/>
+              <a:t>MISFIRE_INSTRUCTION_FIRE_NOW</a:t>
+            </a:r>
+            <a:endParaRPr lang="zh-CN" altLang="en-US" dirty="0"/>
+          </a:p>
+        </p:txBody>
+      </p:sp>
     </p:spTree>
     <p:extLst>
       <p:ext uri="{BB962C8B-B14F-4D97-AF65-F5344CB8AC3E}">
-        <p14:creationId xmlns:p14="http://schemas.microsoft.com/office/powerpoint/2010/main" val="1164104309"/>
+        <p14:creationId xmlns:p14="http://schemas.microsoft.com/office/powerpoint/2010/main" val="3788640508"/>
       </p:ext>
     </p:extLst>
   </p:cSld>
@@ -4806,7 +5594,7 @@
         <p:spPr>
           <a:xfrm>
             <a:off x="678850" y="637611"/>
-            <a:ext cx="3443058" cy="646331"/>
+            <a:ext cx="2385077" cy="646331"/>
           </a:xfrm>
           <a:prstGeom prst="rect">
             <a:avLst/>
@@ -4825,7 +5613,7 @@
                 </a:solidFill>
                 <a:latin typeface="+mj-lt"/>
               </a:rPr>
-              <a:t>Schedule Listener</a:t>
+              <a:t>Job Listener</a:t>
             </a:r>
             <a:endParaRPr lang="zh-CN" altLang="en-US" sz="3600" dirty="0">
               <a:solidFill>
@@ -4836,10 +5624,58 @@
           </a:p>
         </p:txBody>
       </p:sp>
+      <p:pic>
+        <p:nvPicPr>
+          <p:cNvPr id="3" name="图片 2"/>
+          <p:cNvPicPr>
+            <a:picLocks noChangeAspect="1"/>
+          </p:cNvPicPr>
+          <p:nvPr/>
+        </p:nvPicPr>
+        <p:blipFill>
+          <a:blip r:embed="rId4"/>
+          <a:stretch>
+            <a:fillRect/>
+          </a:stretch>
+        </p:blipFill>
+        <p:spPr>
+          <a:xfrm>
+            <a:off x="2480355" y="1167957"/>
+            <a:ext cx="6200775" cy="5219700"/>
+          </a:xfrm>
+          <a:prstGeom prst="rect">
+            <a:avLst/>
+          </a:prstGeom>
+        </p:spPr>
+      </p:pic>
+      <p:pic>
+        <p:nvPicPr>
+          <p:cNvPr id="4" name="图片 3"/>
+          <p:cNvPicPr>
+            <a:picLocks noChangeAspect="1"/>
+          </p:cNvPicPr>
+          <p:nvPr/>
+        </p:nvPicPr>
+        <p:blipFill>
+          <a:blip r:embed="rId5"/>
+          <a:stretch>
+            <a:fillRect/>
+          </a:stretch>
+        </p:blipFill>
+        <p:spPr>
+          <a:xfrm>
+            <a:off x="3556663" y="232798"/>
+            <a:ext cx="6743700" cy="809625"/>
+          </a:xfrm>
+          <a:prstGeom prst="rect">
+            <a:avLst/>
+          </a:prstGeom>
+        </p:spPr>
+      </p:pic>
     </p:spTree>
     <p:extLst>
       <p:ext uri="{BB962C8B-B14F-4D97-AF65-F5344CB8AC3E}">
-        <p14:creationId xmlns:p14="http://schemas.microsoft.com/office/powerpoint/2010/main" val="2005058348"/>
+        <p14:creationId xmlns:p14="http://schemas.microsoft.com/office/powerpoint/2010/main" val="113179544"/>
       </p:ext>
     </p:extLst>
   </p:cSld>
@@ -4882,6 +5718,218 @@
           <p:nvPr/>
         </p:nvPicPr>
         <p:blipFill>
+          <a:blip r:embed="rId3">
+            <a:extLst>
+              <a:ext uri="{28A0092B-C50C-407E-A947-70E740481C1C}">
+                <a14:useLocalDpi xmlns:a14="http://schemas.microsoft.com/office/drawing/2010/main" val="0"/>
+              </a:ext>
+            </a:extLst>
+          </a:blip>
+          <a:stretch>
+            <a:fillRect/>
+          </a:stretch>
+        </p:blipFill>
+        <p:spPr>
+          <a:xfrm>
+            <a:off x="9462448" y="6108154"/>
+            <a:ext cx="2445652" cy="559006"/>
+          </a:xfrm>
+          <a:prstGeom prst="rect">
+            <a:avLst/>
+          </a:prstGeom>
+        </p:spPr>
+      </p:pic>
+      <p:sp>
+        <p:nvSpPr>
+          <p:cNvPr id="2" name="矩形 1"/>
+          <p:cNvSpPr/>
+          <p:nvPr/>
+        </p:nvSpPr>
+        <p:spPr>
+          <a:xfrm>
+            <a:off x="678850" y="637611"/>
+            <a:ext cx="3032690" cy="646331"/>
+          </a:xfrm>
+          <a:prstGeom prst="rect">
+            <a:avLst/>
+          </a:prstGeom>
+        </p:spPr>
+        <p:txBody>
+          <a:bodyPr wrap="none">
+            <a:spAutoFit/>
+          </a:bodyPr>
+          <a:lstStyle/>
+          <a:p>
+            <a:r>
+              <a:rPr lang="en-US" altLang="zh-CN" sz="3600" dirty="0" smtClean="0">
+                <a:solidFill>
+                  <a:srgbClr val="FFC000"/>
+                </a:solidFill>
+                <a:latin typeface="+mj-lt"/>
+              </a:rPr>
+              <a:t>Trigger Listener</a:t>
+            </a:r>
+            <a:endParaRPr lang="zh-CN" altLang="en-US" sz="3600" dirty="0">
+              <a:solidFill>
+                <a:srgbClr val="FFC000"/>
+              </a:solidFill>
+              <a:latin typeface="+mj-lt"/>
+            </a:endParaRPr>
+          </a:p>
+        </p:txBody>
+      </p:sp>
+    </p:spTree>
+    <p:extLst>
+      <p:ext uri="{BB962C8B-B14F-4D97-AF65-F5344CB8AC3E}">
+        <p14:creationId xmlns:p14="http://schemas.microsoft.com/office/powerpoint/2010/main" val="1164104309"/>
+      </p:ext>
+    </p:extLst>
+  </p:cSld>
+  <p:clrMapOvr>
+    <a:masterClrMapping/>
+  </p:clrMapOvr>
+  <p:timing>
+    <p:tnLst>
+      <p:par>
+        <p:cTn id="1" dur="indefinite" restart="never" nodeType="tmRoot"/>
+      </p:par>
+    </p:tnLst>
+  </p:timing>
+</p:sld>
+</file>
+
+<file path=ppt/slides/slide18.xml><?xml version="1.0" encoding="utf-8"?>
+<p:sld xmlns:a="http://schemas.openxmlformats.org/drawingml/2006/main" xmlns:r="http://schemas.openxmlformats.org/officeDocument/2006/relationships" xmlns:p="http://schemas.openxmlformats.org/presentationml/2006/main">
+  <p:cSld>
+    <p:spTree>
+      <p:nvGrpSpPr>
+        <p:cNvPr id="1" name=""/>
+        <p:cNvGrpSpPr/>
+        <p:nvPr/>
+      </p:nvGrpSpPr>
+      <p:grpSpPr>
+        <a:xfrm>
+          <a:off x="0" y="0"/>
+          <a:ext cx="0" cy="0"/>
+          <a:chOff x="0" y="0"/>
+          <a:chExt cx="0" cy="0"/>
+        </a:xfrm>
+      </p:grpSpPr>
+      <p:pic>
+        <p:nvPicPr>
+          <p:cNvPr id="5" name="图片 4"/>
+          <p:cNvPicPr>
+            <a:picLocks noChangeAspect="1"/>
+          </p:cNvPicPr>
+          <p:nvPr/>
+        </p:nvPicPr>
+        <p:blipFill>
+          <a:blip r:embed="rId3">
+            <a:extLst>
+              <a:ext uri="{28A0092B-C50C-407E-A947-70E740481C1C}">
+                <a14:useLocalDpi xmlns:a14="http://schemas.microsoft.com/office/drawing/2010/main" val="0"/>
+              </a:ext>
+            </a:extLst>
+          </a:blip>
+          <a:stretch>
+            <a:fillRect/>
+          </a:stretch>
+        </p:blipFill>
+        <p:spPr>
+          <a:xfrm>
+            <a:off x="9462448" y="6108154"/>
+            <a:ext cx="2445652" cy="559006"/>
+          </a:xfrm>
+          <a:prstGeom prst="rect">
+            <a:avLst/>
+          </a:prstGeom>
+        </p:spPr>
+      </p:pic>
+      <p:sp>
+        <p:nvSpPr>
+          <p:cNvPr id="2" name="矩形 1"/>
+          <p:cNvSpPr/>
+          <p:nvPr/>
+        </p:nvSpPr>
+        <p:spPr>
+          <a:xfrm>
+            <a:off x="678850" y="637611"/>
+            <a:ext cx="3443058" cy="646331"/>
+          </a:xfrm>
+          <a:prstGeom prst="rect">
+            <a:avLst/>
+          </a:prstGeom>
+        </p:spPr>
+        <p:txBody>
+          <a:bodyPr wrap="none">
+            <a:spAutoFit/>
+          </a:bodyPr>
+          <a:lstStyle/>
+          <a:p>
+            <a:r>
+              <a:rPr lang="en-US" altLang="zh-CN" sz="3600" dirty="0" smtClean="0">
+                <a:solidFill>
+                  <a:srgbClr val="FFC000"/>
+                </a:solidFill>
+                <a:latin typeface="+mj-lt"/>
+              </a:rPr>
+              <a:t>Schedule Listener</a:t>
+            </a:r>
+            <a:endParaRPr lang="zh-CN" altLang="en-US" sz="3600" dirty="0">
+              <a:solidFill>
+                <a:srgbClr val="FFC000"/>
+              </a:solidFill>
+              <a:latin typeface="+mj-lt"/>
+            </a:endParaRPr>
+          </a:p>
+        </p:txBody>
+      </p:sp>
+    </p:spTree>
+    <p:extLst>
+      <p:ext uri="{BB962C8B-B14F-4D97-AF65-F5344CB8AC3E}">
+        <p14:creationId xmlns:p14="http://schemas.microsoft.com/office/powerpoint/2010/main" val="2005058348"/>
+      </p:ext>
+    </p:extLst>
+  </p:cSld>
+  <p:clrMapOvr>
+    <a:masterClrMapping/>
+  </p:clrMapOvr>
+  <p:timing>
+    <p:tnLst>
+      <p:par>
+        <p:cTn id="1" dur="indefinite" restart="never" nodeType="tmRoot"/>
+      </p:par>
+    </p:tnLst>
+  </p:timing>
+</p:sld>
+</file>
+
+<file path=ppt/slides/slide19.xml><?xml version="1.0" encoding="utf-8"?>
+<p:sld xmlns:a="http://schemas.openxmlformats.org/drawingml/2006/main" xmlns:r="http://schemas.openxmlformats.org/officeDocument/2006/relationships" xmlns:p="http://schemas.openxmlformats.org/presentationml/2006/main">
+  <p:cSld>
+    <p:spTree>
+      <p:nvGrpSpPr>
+        <p:cNvPr id="1" name=""/>
+        <p:cNvGrpSpPr/>
+        <p:nvPr/>
+      </p:nvGrpSpPr>
+      <p:grpSpPr>
+        <a:xfrm>
+          <a:off x="0" y="0"/>
+          <a:ext cx="0" cy="0"/>
+          <a:chOff x="0" y="0"/>
+          <a:chExt cx="0" cy="0"/>
+        </a:xfrm>
+      </p:grpSpPr>
+      <p:pic>
+        <p:nvPicPr>
+          <p:cNvPr id="5" name="图片 4"/>
+          <p:cNvPicPr>
+            <a:picLocks noChangeAspect="1"/>
+          </p:cNvPicPr>
+          <p:nvPr/>
+        </p:nvPicPr>
+        <p:blipFill>
           <a:blip r:embed="rId2">
             <a:extLst>
               <a:ext uri="{28A0092B-C50C-407E-A947-70E740481C1C}">
@@ -5013,6 +6061,30 @@
       </p:grpSpPr>
       <p:pic>
         <p:nvPicPr>
+          <p:cNvPr id="2" name="图片 1"/>
+          <p:cNvPicPr>
+            <a:picLocks noChangeAspect="1"/>
+          </p:cNvPicPr>
+          <p:nvPr/>
+        </p:nvPicPr>
+        <p:blipFill>
+          <a:blip r:embed="rId2"/>
+          <a:stretch>
+            <a:fillRect/>
+          </a:stretch>
+        </p:blipFill>
+        <p:spPr>
+          <a:xfrm>
+            <a:off x="1956180" y="0"/>
+            <a:ext cx="8447037" cy="6858000"/>
+          </a:xfrm>
+          <a:prstGeom prst="rect">
+            <a:avLst/>
+          </a:prstGeom>
+        </p:spPr>
+      </p:pic>
+      <p:pic>
+        <p:nvPicPr>
           <p:cNvPr id="7" name="图片 6"/>
           <p:cNvPicPr>
             <a:picLocks noChangeAspect="1"/>
@@ -5020,7 +6092,7 @@
           <p:nvPr/>
         </p:nvPicPr>
         <p:blipFill>
-          <a:blip r:embed="rId2">
+          <a:blip r:embed="rId3">
             <a:extLst>
               <a:ext uri="{28A0092B-C50C-407E-A947-70E740481C1C}">
                 <a14:useLocalDpi xmlns:a14="http://schemas.microsoft.com/office/drawing/2010/main" val="0"/>
@@ -5033,32 +6105,8 @@
         </p:blipFill>
         <p:spPr>
           <a:xfrm>
-            <a:off x="9462448" y="6108154"/>
+            <a:off x="9467920" y="6067209"/>
             <a:ext cx="2445652" cy="559006"/>
-          </a:xfrm>
-          <a:prstGeom prst="rect">
-            <a:avLst/>
-          </a:prstGeom>
-        </p:spPr>
-      </p:pic>
-      <p:pic>
-        <p:nvPicPr>
-          <p:cNvPr id="2" name="图片 1"/>
-          <p:cNvPicPr>
-            <a:picLocks noChangeAspect="1"/>
-          </p:cNvPicPr>
-          <p:nvPr/>
-        </p:nvPicPr>
-        <p:blipFill>
-          <a:blip r:embed="rId3"/>
-          <a:stretch>
-            <a:fillRect/>
-          </a:stretch>
-        </p:blipFill>
-        <p:spPr>
-          <a:xfrm>
-            <a:off x="1314735" y="52176"/>
-            <a:ext cx="8147713" cy="6614984"/>
           </a:xfrm>
           <a:prstGeom prst="rect">
             <a:avLst/>
@@ -5190,7 +6238,7 @@
                   <a:srgbClr val="FFC000"/>
                 </a:solidFill>
               </a:rPr>
-              <a:t>	How   - Quick Start &amp; Source code</a:t>
+              <a:t>	How   - Quick Start &amp; Example</a:t>
             </a:r>
             <a:endParaRPr lang="zh-CN" altLang="en-US" dirty="0">
               <a:solidFill>
@@ -5279,7 +6327,7 @@
                 </a:solidFill>
                 <a:latin typeface="+mj-lt"/>
               </a:rPr>
-              <a:t>Quartz in Liferay</a:t>
+              <a:t>Quartz in Liferay*</a:t>
             </a:r>
             <a:endParaRPr lang="en-US" altLang="zh-CN" sz="4800" b="1" dirty="0">
               <a:solidFill>
@@ -5308,7 +6356,7 @@
                 </a:solidFill>
                 <a:latin typeface="+mj-lt"/>
               </a:rPr>
-              <a:t>Quartz in CMS</a:t>
+              <a:t>Quartz in CMS*</a:t>
             </a:r>
             <a:endParaRPr lang="zh-CN" altLang="en-US" sz="4800" dirty="0">
               <a:latin typeface="+mj-lt"/>
@@ -5631,22 +6679,59 @@
           </p:cNvPicPr>
           <p:nvPr/>
         </p:nvPicPr>
-        <p:blipFill>
+        <p:blipFill rotWithShape="1">
           <a:blip r:embed="rId3"/>
-          <a:stretch>
-            <a:fillRect/>
-          </a:stretch>
+          <a:srcRect t="39235" b="7700"/>
+          <a:stretch/>
         </p:blipFill>
         <p:spPr>
           <a:xfrm>
-            <a:off x="600615" y="1401531"/>
-            <a:ext cx="11591385" cy="4706623"/>
+            <a:off x="600615" y="2197291"/>
+            <a:ext cx="11591385" cy="2497540"/>
           </a:xfrm>
           <a:prstGeom prst="rect">
             <a:avLst/>
           </a:prstGeom>
         </p:spPr>
       </p:pic>
+      <p:sp>
+        <p:nvSpPr>
+          <p:cNvPr id="3" name="文本框 2"/>
+          <p:cNvSpPr txBox="1"/>
+          <p:nvPr/>
+        </p:nvSpPr>
+        <p:spPr>
+          <a:xfrm>
+            <a:off x="600615" y="1349497"/>
+            <a:ext cx="3727431" cy="523220"/>
+          </a:xfrm>
+          <a:prstGeom prst="rect">
+            <a:avLst/>
+          </a:prstGeom>
+          <a:noFill/>
+        </p:spPr>
+        <p:txBody>
+          <a:bodyPr wrap="none" rtlCol="0">
+            <a:spAutoFit/>
+          </a:bodyPr>
+          <a:lstStyle/>
+          <a:p>
+            <a:r>
+              <a:rPr lang="en-US" altLang="zh-CN" sz="2800" dirty="0" smtClean="0">
+                <a:solidFill>
+                  <a:srgbClr val="002060"/>
+                </a:solidFill>
+              </a:rPr>
+              <a:t>Implement Job interface</a:t>
+            </a:r>
+            <a:endParaRPr lang="zh-CN" altLang="en-US" sz="2800" dirty="0">
+              <a:solidFill>
+                <a:srgbClr val="002060"/>
+              </a:solidFill>
+            </a:endParaRPr>
+          </a:p>
+        </p:txBody>
+      </p:sp>
     </p:spTree>
     <p:extLst>
       <p:ext uri="{BB962C8B-B14F-4D97-AF65-F5344CB8AC3E}">
@@ -6210,7 +7295,7 @@
         <p:spPr>
           <a:xfrm>
             <a:off x="801680" y="1419367"/>
-            <a:ext cx="8769132" cy="369332"/>
+            <a:ext cx="9889823" cy="369332"/>
           </a:xfrm>
           <a:prstGeom prst="rect">
             <a:avLst/>
@@ -6237,7 +7322,7 @@
                   <a:srgbClr val="002060"/>
                 </a:solidFill>
               </a:rPr>
-              <a:t>riority: custom properties path-&gt;</a:t>
+              <a:t>riority: custom properties path-&gt;current  working </a:t>
             </a:r>
             <a:r>
               <a:rPr lang="en-US" altLang="zh-CN" dirty="0" err="1" smtClean="0">
@@ -6245,7 +7330,7 @@
                   <a:srgbClr val="002060"/>
                 </a:solidFill>
               </a:rPr>
-              <a:t>classpth</a:t>
+              <a:t>dir</a:t>
             </a:r>
             <a:r>
               <a:rPr lang="en-US" altLang="zh-CN" dirty="0" smtClean="0">
@@ -6253,7 +7338,7 @@
                   <a:srgbClr val="002060"/>
                 </a:solidFill>
               </a:rPr>
-              <a:t>/</a:t>
+              <a:t>: </a:t>
             </a:r>
             <a:r>
               <a:rPr lang="en-US" altLang="zh-CN" dirty="0" err="1" smtClean="0">
@@ -6295,7 +7380,7 @@
         </p:nvSpPr>
         <p:spPr>
           <a:xfrm>
-            <a:off x="801680" y="2210937"/>
+            <a:off x="706145" y="1896828"/>
             <a:ext cx="6683240" cy="369332"/>
           </a:xfrm>
           <a:prstGeom prst="rect">
@@ -6353,6 +7438,53 @@
           </a:p>
         </p:txBody>
       </p:sp>
+      <p:pic>
+        <p:nvPicPr>
+          <p:cNvPr id="6" name="图片 5"/>
+          <p:cNvPicPr>
+            <a:picLocks noChangeAspect="1"/>
+          </p:cNvPicPr>
+          <p:nvPr/>
+        </p:nvPicPr>
+        <p:blipFill rotWithShape="1">
+          <a:blip r:embed="rId3"/>
+          <a:srcRect t="36456"/>
+          <a:stretch/>
+        </p:blipFill>
+        <p:spPr>
+          <a:xfrm>
+            <a:off x="801680" y="2634018"/>
+            <a:ext cx="9934575" cy="3474136"/>
+          </a:xfrm>
+          <a:prstGeom prst="rect">
+            <a:avLst/>
+          </a:prstGeom>
+        </p:spPr>
+      </p:pic>
+      <p:pic>
+        <p:nvPicPr>
+          <p:cNvPr id="7" name="图片 6"/>
+          <p:cNvPicPr>
+            <a:picLocks noChangeAspect="1"/>
+          </p:cNvPicPr>
+          <p:nvPr/>
+        </p:nvPicPr>
+        <p:blipFill>
+          <a:blip r:embed="rId4"/>
+          <a:stretch>
+            <a:fillRect/>
+          </a:stretch>
+        </p:blipFill>
+        <p:spPr>
+          <a:xfrm>
+            <a:off x="0" y="112799"/>
+            <a:ext cx="12095968" cy="5811426"/>
+          </a:xfrm>
+          <a:prstGeom prst="rect">
+            <a:avLst/>
+          </a:prstGeom>
+        </p:spPr>
+      </p:pic>
     </p:spTree>
     <p:extLst>
       <p:ext uri="{BB962C8B-B14F-4D97-AF65-F5344CB8AC3E}">
@@ -6363,6 +7495,9 @@
   <p:clrMapOvr>
     <a:masterClrMapping/>
   </p:clrMapOvr>
+  <p:transition spd="slow">
+    <p:push dir="u"/>
+  </p:transition>
   <p:timing>
     <p:tnLst>
       <p:par>
